--- a/2023/5 Skills You Must Master.pptx
+++ b/2023/5 Skills You Must Master.pptx
@@ -2,7 +2,7 @@
 <file path=ppt/presentation.xml><?xml version="1.0" encoding="utf-8"?>
 <p:presentation xmlns:a="http://schemas.openxmlformats.org/drawingml/2006/main" xmlns:r="http://schemas.openxmlformats.org/officeDocument/2006/relationships" xmlns:p="http://schemas.openxmlformats.org/presentationml/2006/main" saveSubsetFonts="1">
   <p:sldMasterIdLst>
-    <p:sldMasterId id="2147483648" r:id="rId1"/>
+    <p:sldMasterId id="2147483660" r:id="rId1"/>
   </p:sldMasterIdLst>
   <p:sldIdLst>
     <p:sldId id="256" r:id="rId2"/>
@@ -24,7 +24,7 @@
     <a:defPPr>
       <a:defRPr lang="en-US"/>
     </a:defPPr>
-    <a:lvl1pPr marL="0" algn="l" defTabSz="914400" rtl="0" eaLnBrk="1" latinLnBrk="0" hangingPunct="1">
+    <a:lvl1pPr marL="0" algn="l" defTabSz="457200" rtl="0" eaLnBrk="1" latinLnBrk="0" hangingPunct="1">
       <a:defRPr sz="1800" kern="1200">
         <a:solidFill>
           <a:schemeClr val="tx1"/>
@@ -34,7 +34,7 @@
         <a:cs typeface="+mn-cs"/>
       </a:defRPr>
     </a:lvl1pPr>
-    <a:lvl2pPr marL="457200" algn="l" defTabSz="914400" rtl="0" eaLnBrk="1" latinLnBrk="0" hangingPunct="1">
+    <a:lvl2pPr marL="457200" algn="l" defTabSz="457200" rtl="0" eaLnBrk="1" latinLnBrk="0" hangingPunct="1">
       <a:defRPr sz="1800" kern="1200">
         <a:solidFill>
           <a:schemeClr val="tx1"/>
@@ -44,7 +44,7 @@
         <a:cs typeface="+mn-cs"/>
       </a:defRPr>
     </a:lvl2pPr>
-    <a:lvl3pPr marL="914400" algn="l" defTabSz="914400" rtl="0" eaLnBrk="1" latinLnBrk="0" hangingPunct="1">
+    <a:lvl3pPr marL="914400" algn="l" defTabSz="457200" rtl="0" eaLnBrk="1" latinLnBrk="0" hangingPunct="1">
       <a:defRPr sz="1800" kern="1200">
         <a:solidFill>
           <a:schemeClr val="tx1"/>
@@ -54,7 +54,7 @@
         <a:cs typeface="+mn-cs"/>
       </a:defRPr>
     </a:lvl3pPr>
-    <a:lvl4pPr marL="1371600" algn="l" defTabSz="914400" rtl="0" eaLnBrk="1" latinLnBrk="0" hangingPunct="1">
+    <a:lvl4pPr marL="1371600" algn="l" defTabSz="457200" rtl="0" eaLnBrk="1" latinLnBrk="0" hangingPunct="1">
       <a:defRPr sz="1800" kern="1200">
         <a:solidFill>
           <a:schemeClr val="tx1"/>
@@ -64,7 +64,7 @@
         <a:cs typeface="+mn-cs"/>
       </a:defRPr>
     </a:lvl4pPr>
-    <a:lvl5pPr marL="1828800" algn="l" defTabSz="914400" rtl="0" eaLnBrk="1" latinLnBrk="0" hangingPunct="1">
+    <a:lvl5pPr marL="1828800" algn="l" defTabSz="457200" rtl="0" eaLnBrk="1" latinLnBrk="0" hangingPunct="1">
       <a:defRPr sz="1800" kern="1200">
         <a:solidFill>
           <a:schemeClr val="tx1"/>
@@ -74,7 +74,7 @@
         <a:cs typeface="+mn-cs"/>
       </a:defRPr>
     </a:lvl5pPr>
-    <a:lvl6pPr marL="2286000" algn="l" defTabSz="914400" rtl="0" eaLnBrk="1" latinLnBrk="0" hangingPunct="1">
+    <a:lvl6pPr marL="2286000" algn="l" defTabSz="457200" rtl="0" eaLnBrk="1" latinLnBrk="0" hangingPunct="1">
       <a:defRPr sz="1800" kern="1200">
         <a:solidFill>
           <a:schemeClr val="tx1"/>
@@ -84,7 +84,7 @@
         <a:cs typeface="+mn-cs"/>
       </a:defRPr>
     </a:lvl6pPr>
-    <a:lvl7pPr marL="2743200" algn="l" defTabSz="914400" rtl="0" eaLnBrk="1" latinLnBrk="0" hangingPunct="1">
+    <a:lvl7pPr marL="2743200" algn="l" defTabSz="457200" rtl="0" eaLnBrk="1" latinLnBrk="0" hangingPunct="1">
       <a:defRPr sz="1800" kern="1200">
         <a:solidFill>
           <a:schemeClr val="tx1"/>
@@ -94,7 +94,7 @@
         <a:cs typeface="+mn-cs"/>
       </a:defRPr>
     </a:lvl7pPr>
-    <a:lvl8pPr marL="3200400" algn="l" defTabSz="914400" rtl="0" eaLnBrk="1" latinLnBrk="0" hangingPunct="1">
+    <a:lvl8pPr marL="3200400" algn="l" defTabSz="457200" rtl="0" eaLnBrk="1" latinLnBrk="0" hangingPunct="1">
       <a:defRPr sz="1800" kern="1200">
         <a:solidFill>
           <a:schemeClr val="tx1"/>
@@ -104,7 +104,7 @@
         <a:cs typeface="+mn-cs"/>
       </a:defRPr>
     </a:lvl8pPr>
-    <a:lvl9pPr marL="3657600" algn="l" defTabSz="914400" rtl="0" eaLnBrk="1" latinLnBrk="0" hangingPunct="1">
+    <a:lvl9pPr marL="3657600" algn="l" defTabSz="457200" rtl="0" eaLnBrk="1" latinLnBrk="0" hangingPunct="1">
       <a:defRPr sz="1800" kern="1200">
         <a:solidFill>
           <a:schemeClr val="tx1"/>
@@ -119,7 +119,7 @@
 </file>
 
 <file path=ppt/slideLayouts/slideLayout1.xml><?xml version="1.0" encoding="utf-8"?>
-<p:sldLayout xmlns:a="http://schemas.openxmlformats.org/drawingml/2006/main" xmlns:r="http://schemas.openxmlformats.org/officeDocument/2006/relationships" xmlns:p="http://schemas.openxmlformats.org/presentationml/2006/main" type="title" preserve="1">
+<p:sldLayout xmlns:a="http://schemas.openxmlformats.org/drawingml/2006/main" xmlns:r="http://schemas.openxmlformats.org/officeDocument/2006/relationships" xmlns:p="http://schemas.openxmlformats.org/presentationml/2006/main" showMasterSp="0" type="title" preserve="1">
   <p:cSld name="Title Slide">
     <p:spTree>
       <p:nvGrpSpPr>
@@ -137,31 +137,113 @@
       </p:grpSpPr>
       <p:sp>
         <p:nvSpPr>
-          <p:cNvPr id="2" name="Title 1">
-            <a:extLst>
-              <a:ext uri="{FF2B5EF4-FFF2-40B4-BE49-F238E27FC236}">
-                <a16:creationId xmlns:a16="http://schemas.microsoft.com/office/drawing/2014/main" id="{B82A19BB-08B8-3938-855D-4CB44928DE0D}"/>
-              </a:ext>
-            </a:extLst>
-          </p:cNvPr>
-          <p:cNvSpPr>
-            <a:spLocks noGrp="1"/>
-          </p:cNvSpPr>
-          <p:nvPr>
-            <p:ph type="ctrTitle"/>
-          </p:nvPr>
+          <p:cNvPr id="7" name="Rectangle 6"/>
+          <p:cNvSpPr/>
+          <p:nvPr/>
         </p:nvSpPr>
         <p:spPr>
           <a:xfrm>
-            <a:off x="1524000" y="1122363"/>
-            <a:ext cx="9144000" cy="2387600"/>
+            <a:off x="3175" y="6400800"/>
+            <a:ext cx="12188825" cy="457200"/>
+          </a:xfrm>
+          <a:prstGeom prst="rect">
+            <a:avLst/>
+          </a:prstGeom>
+          <a:solidFill>
+            <a:schemeClr val="accent2"/>
+          </a:solidFill>
+          <a:ln>
+            <a:noFill/>
+          </a:ln>
+        </p:spPr>
+        <p:style>
+          <a:lnRef idx="2">
+            <a:schemeClr val="accent1">
+              <a:shade val="50000"/>
+            </a:schemeClr>
+          </a:lnRef>
+          <a:fillRef idx="1">
+            <a:schemeClr val="accent1"/>
+          </a:fillRef>
+          <a:effectRef idx="0">
+            <a:schemeClr val="accent1"/>
+          </a:effectRef>
+          <a:fontRef idx="minor">
+            <a:schemeClr val="lt1"/>
+          </a:fontRef>
+        </p:style>
+      </p:sp>
+      <p:sp>
+        <p:nvSpPr>
+          <p:cNvPr id="8" name="Rectangle 7"/>
+          <p:cNvSpPr/>
+          <p:nvPr/>
+        </p:nvSpPr>
+        <p:spPr>
+          <a:xfrm>
+            <a:off x="15" y="6334316"/>
+            <a:ext cx="12188825" cy="64008"/>
+          </a:xfrm>
+          <a:prstGeom prst="rect">
+            <a:avLst/>
+          </a:prstGeom>
+          <a:solidFill>
+            <a:schemeClr val="accent1"/>
+          </a:solidFill>
+          <a:ln>
+            <a:noFill/>
+          </a:ln>
+        </p:spPr>
+        <p:style>
+          <a:lnRef idx="2">
+            <a:schemeClr val="accent1">
+              <a:shade val="50000"/>
+            </a:schemeClr>
+          </a:lnRef>
+          <a:fillRef idx="1">
+            <a:schemeClr val="accent1"/>
+          </a:fillRef>
+          <a:effectRef idx="0">
+            <a:schemeClr val="accent1"/>
+          </a:effectRef>
+          <a:fontRef idx="minor">
+            <a:schemeClr val="lt1"/>
+          </a:fontRef>
+        </p:style>
+      </p:sp>
+      <p:sp>
+        <p:nvSpPr>
+          <p:cNvPr id="2" name="Title 1"/>
+          <p:cNvSpPr>
+            <a:spLocks noGrp="1"/>
+          </p:cNvSpPr>
+          <p:nvPr>
+            <p:ph type="ctrTitle"/>
+          </p:nvPr>
+        </p:nvSpPr>
+        <p:spPr>
+          <a:xfrm>
+            <a:off x="1097280" y="758952"/>
+            <a:ext cx="10058400" cy="3566160"/>
           </a:xfrm>
         </p:spPr>
         <p:txBody>
-          <a:bodyPr anchor="b"/>
+          <a:bodyPr anchor="b">
+            <a:normAutofit/>
+          </a:bodyPr>
           <a:lstStyle>
-            <a:lvl1pPr algn="ctr">
-              <a:defRPr sz="6000"/>
+            <a:lvl1pPr algn="l">
+              <a:lnSpc>
+                <a:spcPct val="85000"/>
+              </a:lnSpc>
+              <a:defRPr sz="8000" spc="-50" baseline="0">
+                <a:solidFill>
+                  <a:schemeClr val="tx1">
+                    <a:lumMod val="85000"/>
+                    <a:lumOff val="15000"/>
+                  </a:schemeClr>
+                </a:solidFill>
+              </a:defRPr>
             </a:lvl1pPr>
           </a:lstStyle>
           <a:p>
@@ -169,18 +251,13 @@
               <a:rPr lang="en-US"/>
               <a:t>Click to edit Master title style</a:t>
             </a:r>
-          </a:p>
-        </p:txBody>
-      </p:sp>
-      <p:sp>
-        <p:nvSpPr>
-          <p:cNvPr id="3" name="Subtitle 2">
-            <a:extLst>
-              <a:ext uri="{FF2B5EF4-FFF2-40B4-BE49-F238E27FC236}">
-                <a16:creationId xmlns:a16="http://schemas.microsoft.com/office/drawing/2014/main" id="{4757B3C8-8AC6-CB0C-22AC-886DAEAD3A4D}"/>
-              </a:ext>
-            </a:extLst>
-          </p:cNvPr>
+            <a:endParaRPr lang="en-US" dirty="0"/>
+          </a:p>
+        </p:txBody>
+      </p:sp>
+      <p:sp>
+        <p:nvSpPr>
+          <p:cNvPr id="3" name="Subtitle 2"/>
           <p:cNvSpPr>
             <a:spLocks noGrp="1"/>
           </p:cNvSpPr>
@@ -190,48 +267,55 @@
         </p:nvSpPr>
         <p:spPr>
           <a:xfrm>
-            <a:off x="1524000" y="3602038"/>
-            <a:ext cx="9144000" cy="1655762"/>
+            <a:off x="1100051" y="4455620"/>
+            <a:ext cx="10058400" cy="1143000"/>
           </a:xfrm>
         </p:spPr>
         <p:txBody>
-          <a:bodyPr/>
+          <a:bodyPr lIns="91440" rIns="91440">
+            <a:normAutofit/>
+          </a:bodyPr>
           <a:lstStyle>
-            <a:lvl1pPr marL="0" indent="0" algn="ctr">
-              <a:buNone/>
-              <a:defRPr sz="2400"/>
+            <a:lvl1pPr marL="0" indent="0" algn="l">
+              <a:buNone/>
+              <a:defRPr sz="2400" cap="all" spc="200" baseline="0">
+                <a:solidFill>
+                  <a:schemeClr val="tx2"/>
+                </a:solidFill>
+                <a:latin typeface="+mj-lt"/>
+              </a:defRPr>
             </a:lvl1pPr>
             <a:lvl2pPr marL="457200" indent="0" algn="ctr">
               <a:buNone/>
-              <a:defRPr sz="2000"/>
+              <a:defRPr sz="2400"/>
             </a:lvl2pPr>
             <a:lvl3pPr marL="914400" indent="0" algn="ctr">
               <a:buNone/>
-              <a:defRPr sz="1800"/>
+              <a:defRPr sz="2400"/>
             </a:lvl3pPr>
             <a:lvl4pPr marL="1371600" indent="0" algn="ctr">
               <a:buNone/>
-              <a:defRPr sz="1600"/>
+              <a:defRPr sz="2000"/>
             </a:lvl4pPr>
             <a:lvl5pPr marL="1828800" indent="0" algn="ctr">
               <a:buNone/>
-              <a:defRPr sz="1600"/>
+              <a:defRPr sz="2000"/>
             </a:lvl5pPr>
             <a:lvl6pPr marL="2286000" indent="0" algn="ctr">
               <a:buNone/>
-              <a:defRPr sz="1600"/>
+              <a:defRPr sz="2000"/>
             </a:lvl6pPr>
             <a:lvl7pPr marL="2743200" indent="0" algn="ctr">
               <a:buNone/>
-              <a:defRPr sz="1600"/>
+              <a:defRPr sz="2000"/>
             </a:lvl7pPr>
             <a:lvl8pPr marL="3200400" indent="0" algn="ctr">
               <a:buNone/>
-              <a:defRPr sz="1600"/>
+              <a:defRPr sz="2000"/>
             </a:lvl8pPr>
             <a:lvl9pPr marL="3657600" indent="0" algn="ctr">
               <a:buNone/>
-              <a:defRPr sz="1600"/>
+              <a:defRPr sz="2000"/>
             </a:lvl9pPr>
           </a:lstStyle>
           <a:p>
@@ -239,18 +323,13 @@
               <a:rPr lang="en-US"/>
               <a:t>Click to edit Master subtitle style</a:t>
             </a:r>
-          </a:p>
-        </p:txBody>
-      </p:sp>
-      <p:sp>
-        <p:nvSpPr>
-          <p:cNvPr id="4" name="Date Placeholder 3">
-            <a:extLst>
-              <a:ext uri="{FF2B5EF4-FFF2-40B4-BE49-F238E27FC236}">
-                <a16:creationId xmlns:a16="http://schemas.microsoft.com/office/drawing/2014/main" id="{D31AF74B-4263-1FC3-FE9E-7E3C6267EBE0}"/>
-              </a:ext>
-            </a:extLst>
-          </p:cNvPr>
+            <a:endParaRPr lang="en-US" dirty="0"/>
+          </a:p>
+        </p:txBody>
+      </p:sp>
+      <p:sp>
+        <p:nvSpPr>
+          <p:cNvPr id="4" name="Date Placeholder 3"/>
           <p:cNvSpPr>
             <a:spLocks noGrp="1"/>
           </p:cNvSpPr>
@@ -273,13 +352,7 @@
       </p:sp>
       <p:sp>
         <p:nvSpPr>
-          <p:cNvPr id="5" name="Footer Placeholder 4">
-            <a:extLst>
-              <a:ext uri="{FF2B5EF4-FFF2-40B4-BE49-F238E27FC236}">
-                <a16:creationId xmlns:a16="http://schemas.microsoft.com/office/drawing/2014/main" id="{FC933E0A-999A-A5B8-F610-F74B833773E4}"/>
-              </a:ext>
-            </a:extLst>
-          </p:cNvPr>
+          <p:cNvPr id="5" name="Footer Placeholder 4"/>
           <p:cNvSpPr>
             <a:spLocks noGrp="1"/>
           </p:cNvSpPr>
@@ -298,13 +371,7 @@
       </p:sp>
       <p:sp>
         <p:nvSpPr>
-          <p:cNvPr id="6" name="Slide Number Placeholder 5">
-            <a:extLst>
-              <a:ext uri="{FF2B5EF4-FFF2-40B4-BE49-F238E27FC236}">
-                <a16:creationId xmlns:a16="http://schemas.microsoft.com/office/drawing/2014/main" id="{8DCC4CCF-CCCE-F9AF-75BC-9DFEAC260DC1}"/>
-              </a:ext>
-            </a:extLst>
-          </p:cNvPr>
+          <p:cNvPr id="6" name="Slide Number Placeholder 5"/>
           <p:cNvSpPr>
             <a:spLocks noGrp="1"/>
           </p:cNvSpPr>
@@ -325,10 +392,48 @@
           </a:p>
         </p:txBody>
       </p:sp>
+      <p:cxnSp>
+        <p:nvCxnSpPr>
+          <p:cNvPr id="9" name="Straight Connector 8"/>
+          <p:cNvCxnSpPr/>
+          <p:nvPr/>
+        </p:nvCxnSpPr>
+        <p:spPr>
+          <a:xfrm>
+            <a:off x="1207658" y="4343400"/>
+            <a:ext cx="9875520" cy="0"/>
+          </a:xfrm>
+          <a:prstGeom prst="line">
+            <a:avLst/>
+          </a:prstGeom>
+          <a:ln w="6350">
+            <a:solidFill>
+              <a:schemeClr val="tx1">
+                <a:lumMod val="50000"/>
+                <a:lumOff val="50000"/>
+              </a:schemeClr>
+            </a:solidFill>
+          </a:ln>
+        </p:spPr>
+        <p:style>
+          <a:lnRef idx="1">
+            <a:schemeClr val="accent1"/>
+          </a:lnRef>
+          <a:fillRef idx="0">
+            <a:schemeClr val="accent1"/>
+          </a:fillRef>
+          <a:effectRef idx="0">
+            <a:schemeClr val="accent1"/>
+          </a:effectRef>
+          <a:fontRef idx="minor">
+            <a:schemeClr val="tx1"/>
+          </a:fontRef>
+        </p:style>
+      </p:cxnSp>
     </p:spTree>
     <p:extLst>
       <p:ext uri="{BB962C8B-B14F-4D97-AF65-F5344CB8AC3E}">
-        <p14:creationId xmlns:p14="http://schemas.microsoft.com/office/powerpoint/2010/main" val="922740171"/>
+        <p14:creationId xmlns:p14="http://schemas.microsoft.com/office/powerpoint/2010/main" val="3739380962"/>
       </p:ext>
     </p:extLst>
   </p:cSld>
@@ -357,13 +462,7 @@
       </p:grpSpPr>
       <p:sp>
         <p:nvSpPr>
-          <p:cNvPr id="2" name="Title 1">
-            <a:extLst>
-              <a:ext uri="{FF2B5EF4-FFF2-40B4-BE49-F238E27FC236}">
-                <a16:creationId xmlns:a16="http://schemas.microsoft.com/office/drawing/2014/main" id="{F1582B89-467A-35D0-D419-3A42C65D9D58}"/>
-              </a:ext>
-            </a:extLst>
-          </p:cNvPr>
+          <p:cNvPr id="2" name="Title 1"/>
           <p:cNvSpPr>
             <a:spLocks noGrp="1"/>
           </p:cNvSpPr>
@@ -380,18 +479,13 @@
               <a:rPr lang="en-US"/>
               <a:t>Click to edit Master title style</a:t>
             </a:r>
-          </a:p>
-        </p:txBody>
-      </p:sp>
-      <p:sp>
-        <p:nvSpPr>
-          <p:cNvPr id="3" name="Vertical Text Placeholder 2">
-            <a:extLst>
-              <a:ext uri="{FF2B5EF4-FFF2-40B4-BE49-F238E27FC236}">
-                <a16:creationId xmlns:a16="http://schemas.microsoft.com/office/drawing/2014/main" id="{ECAD1FCA-2237-AD13-D078-3740BEF1D83A}"/>
-              </a:ext>
-            </a:extLst>
-          </p:cNvPr>
+            <a:endParaRPr lang="en-US" dirty="0"/>
+          </a:p>
+        </p:txBody>
+      </p:sp>
+      <p:sp>
+        <p:nvSpPr>
+          <p:cNvPr id="3" name="Vertical Text Placeholder 2"/>
           <p:cNvSpPr>
             <a:spLocks noGrp="1"/>
           </p:cNvSpPr>
@@ -401,7 +495,7 @@
         </p:nvSpPr>
         <p:spPr/>
         <p:txBody>
-          <a:bodyPr vert="eaVert"/>
+          <a:bodyPr vert="eaVert" lIns="45720" tIns="0" rIns="45720" bIns="0"/>
           <a:lstStyle/>
           <a:p>
             <a:pPr lvl="0"/>
@@ -437,18 +531,13 @@
               <a:rPr lang="en-US"/>
               <a:t>Fifth level</a:t>
             </a:r>
-          </a:p>
-        </p:txBody>
-      </p:sp>
-      <p:sp>
-        <p:nvSpPr>
-          <p:cNvPr id="4" name="Date Placeholder 3">
-            <a:extLst>
-              <a:ext uri="{FF2B5EF4-FFF2-40B4-BE49-F238E27FC236}">
-                <a16:creationId xmlns:a16="http://schemas.microsoft.com/office/drawing/2014/main" id="{982D6FB2-C521-3EC5-980C-A740FDF3CF4E}"/>
-              </a:ext>
-            </a:extLst>
-          </p:cNvPr>
+            <a:endParaRPr lang="en-US" dirty="0"/>
+          </a:p>
+        </p:txBody>
+      </p:sp>
+      <p:sp>
+        <p:nvSpPr>
+          <p:cNvPr id="4" name="Date Placeholder 3"/>
           <p:cNvSpPr>
             <a:spLocks noGrp="1"/>
           </p:cNvSpPr>
@@ -471,13 +560,7 @@
       </p:sp>
       <p:sp>
         <p:nvSpPr>
-          <p:cNvPr id="5" name="Footer Placeholder 4">
-            <a:extLst>
-              <a:ext uri="{FF2B5EF4-FFF2-40B4-BE49-F238E27FC236}">
-                <a16:creationId xmlns:a16="http://schemas.microsoft.com/office/drawing/2014/main" id="{D37FB2F2-8EC6-A1A3-BCEF-F6412D358668}"/>
-              </a:ext>
-            </a:extLst>
-          </p:cNvPr>
+          <p:cNvPr id="5" name="Footer Placeholder 4"/>
           <p:cNvSpPr>
             <a:spLocks noGrp="1"/>
           </p:cNvSpPr>
@@ -496,13 +579,7 @@
       </p:sp>
       <p:sp>
         <p:nvSpPr>
-          <p:cNvPr id="6" name="Slide Number Placeholder 5">
-            <a:extLst>
-              <a:ext uri="{FF2B5EF4-FFF2-40B4-BE49-F238E27FC236}">
-                <a16:creationId xmlns:a16="http://schemas.microsoft.com/office/drawing/2014/main" id="{86D39607-C981-3159-14C1-793B423FD3C6}"/>
-              </a:ext>
-            </a:extLst>
-          </p:cNvPr>
+          <p:cNvPr id="6" name="Slide Number Placeholder 5"/>
           <p:cNvSpPr>
             <a:spLocks noGrp="1"/>
           </p:cNvSpPr>
@@ -526,7 +603,7 @@
     </p:spTree>
     <p:extLst>
       <p:ext uri="{BB962C8B-B14F-4D97-AF65-F5344CB8AC3E}">
-        <p14:creationId xmlns:p14="http://schemas.microsoft.com/office/powerpoint/2010/main" val="474140300"/>
+        <p14:creationId xmlns:p14="http://schemas.microsoft.com/office/powerpoint/2010/main" val="3707624027"/>
       </p:ext>
     </p:extLst>
   </p:cSld>
@@ -537,7 +614,7 @@
 </file>
 
 <file path=ppt/slideLayouts/slideLayout11.xml><?xml version="1.0" encoding="utf-8"?>
-<p:sldLayout xmlns:a="http://schemas.openxmlformats.org/drawingml/2006/main" xmlns:r="http://schemas.openxmlformats.org/officeDocument/2006/relationships" xmlns:p="http://schemas.openxmlformats.org/presentationml/2006/main" type="vertTitleAndTx" preserve="1">
+<p:sldLayout xmlns:a="http://schemas.openxmlformats.org/drawingml/2006/main" xmlns:r="http://schemas.openxmlformats.org/officeDocument/2006/relationships" xmlns:p="http://schemas.openxmlformats.org/presentationml/2006/main" showMasterSp="0" type="vertTitleAndTx" preserve="1">
   <p:cSld name="Vertical Title and Text">
     <p:spTree>
       <p:nvGrpSpPr>
@@ -555,24 +632,94 @@
       </p:grpSpPr>
       <p:sp>
         <p:nvSpPr>
-          <p:cNvPr id="2" name="Vertical Title 1">
-            <a:extLst>
-              <a:ext uri="{FF2B5EF4-FFF2-40B4-BE49-F238E27FC236}">
-                <a16:creationId xmlns:a16="http://schemas.microsoft.com/office/drawing/2014/main" id="{DCF63099-47E6-CF4B-51B3-5A9091776B7F}"/>
-              </a:ext>
-            </a:extLst>
-          </p:cNvPr>
-          <p:cNvSpPr>
-            <a:spLocks noGrp="1"/>
-          </p:cNvSpPr>
-          <p:nvPr>
-            <p:ph type="title" orient="vert"/>
-          </p:nvPr>
+          <p:cNvPr id="7" name="Rectangle 6"/>
+          <p:cNvSpPr/>
+          <p:nvPr/>
         </p:nvSpPr>
         <p:spPr>
           <a:xfrm>
-            <a:off x="8724900" y="365125"/>
-            <a:ext cx="2628900" cy="5811838"/>
+            <a:off x="3175" y="6400800"/>
+            <a:ext cx="12188825" cy="457200"/>
+          </a:xfrm>
+          <a:prstGeom prst="rect">
+            <a:avLst/>
+          </a:prstGeom>
+          <a:solidFill>
+            <a:schemeClr val="accent2"/>
+          </a:solidFill>
+          <a:ln>
+            <a:noFill/>
+          </a:ln>
+        </p:spPr>
+        <p:style>
+          <a:lnRef idx="2">
+            <a:schemeClr val="accent1">
+              <a:shade val="50000"/>
+            </a:schemeClr>
+          </a:lnRef>
+          <a:fillRef idx="1">
+            <a:schemeClr val="accent1"/>
+          </a:fillRef>
+          <a:effectRef idx="0">
+            <a:schemeClr val="accent1"/>
+          </a:effectRef>
+          <a:fontRef idx="minor">
+            <a:schemeClr val="lt1"/>
+          </a:fontRef>
+        </p:style>
+      </p:sp>
+      <p:sp>
+        <p:nvSpPr>
+          <p:cNvPr id="8" name="Rectangle 7"/>
+          <p:cNvSpPr/>
+          <p:nvPr/>
+        </p:nvSpPr>
+        <p:spPr>
+          <a:xfrm>
+            <a:off x="15" y="6334316"/>
+            <a:ext cx="12188825" cy="64008"/>
+          </a:xfrm>
+          <a:prstGeom prst="rect">
+            <a:avLst/>
+          </a:prstGeom>
+          <a:solidFill>
+            <a:schemeClr val="accent1"/>
+          </a:solidFill>
+          <a:ln>
+            <a:noFill/>
+          </a:ln>
+        </p:spPr>
+        <p:style>
+          <a:lnRef idx="2">
+            <a:schemeClr val="accent1">
+              <a:shade val="50000"/>
+            </a:schemeClr>
+          </a:lnRef>
+          <a:fillRef idx="1">
+            <a:schemeClr val="accent1"/>
+          </a:fillRef>
+          <a:effectRef idx="0">
+            <a:schemeClr val="accent1"/>
+          </a:effectRef>
+          <a:fontRef idx="minor">
+            <a:schemeClr val="lt1"/>
+          </a:fontRef>
+        </p:style>
+      </p:sp>
+      <p:sp>
+        <p:nvSpPr>
+          <p:cNvPr id="2" name="Vertical Title 1"/>
+          <p:cNvSpPr>
+            <a:spLocks noGrp="1"/>
+          </p:cNvSpPr>
+          <p:nvPr>
+            <p:ph type="title" orient="vert"/>
+          </p:nvPr>
+        </p:nvSpPr>
+        <p:spPr>
+          <a:xfrm>
+            <a:off x="8724900" y="414778"/>
+            <a:ext cx="2628900" cy="5757421"/>
           </a:xfrm>
         </p:spPr>
         <p:txBody>
@@ -583,18 +730,13 @@
               <a:rPr lang="en-US"/>
               <a:t>Click to edit Master title style</a:t>
             </a:r>
-          </a:p>
-        </p:txBody>
-      </p:sp>
-      <p:sp>
-        <p:nvSpPr>
-          <p:cNvPr id="3" name="Vertical Text Placeholder 2">
-            <a:extLst>
-              <a:ext uri="{FF2B5EF4-FFF2-40B4-BE49-F238E27FC236}">
-                <a16:creationId xmlns:a16="http://schemas.microsoft.com/office/drawing/2014/main" id="{767FD687-CD2D-70FE-4223-E599F7AF71D8}"/>
-              </a:ext>
-            </a:extLst>
-          </p:cNvPr>
+            <a:endParaRPr lang="en-US" dirty="0"/>
+          </a:p>
+        </p:txBody>
+      </p:sp>
+      <p:sp>
+        <p:nvSpPr>
+          <p:cNvPr id="3" name="Vertical Text Placeholder 2"/>
           <p:cNvSpPr>
             <a:spLocks noGrp="1"/>
           </p:cNvSpPr>
@@ -604,12 +746,12 @@
         </p:nvSpPr>
         <p:spPr>
           <a:xfrm>
-            <a:off x="838200" y="365125"/>
-            <a:ext cx="7734300" cy="5811838"/>
+            <a:off x="838200" y="414778"/>
+            <a:ext cx="7734300" cy="5757422"/>
           </a:xfrm>
         </p:spPr>
         <p:txBody>
-          <a:bodyPr vert="eaVert"/>
+          <a:bodyPr vert="eaVert" lIns="45720" tIns="0" rIns="45720" bIns="0"/>
           <a:lstStyle/>
           <a:p>
             <a:pPr lvl="0"/>
@@ -645,18 +787,13 @@
               <a:rPr lang="en-US"/>
               <a:t>Fifth level</a:t>
             </a:r>
-          </a:p>
-        </p:txBody>
-      </p:sp>
-      <p:sp>
-        <p:nvSpPr>
-          <p:cNvPr id="4" name="Date Placeholder 3">
-            <a:extLst>
-              <a:ext uri="{FF2B5EF4-FFF2-40B4-BE49-F238E27FC236}">
-                <a16:creationId xmlns:a16="http://schemas.microsoft.com/office/drawing/2014/main" id="{C34D4565-8285-E02C-B76C-EEFFE37F53A7}"/>
-              </a:ext>
-            </a:extLst>
-          </p:cNvPr>
+            <a:endParaRPr lang="en-US" dirty="0"/>
+          </a:p>
+        </p:txBody>
+      </p:sp>
+      <p:sp>
+        <p:nvSpPr>
+          <p:cNvPr id="4" name="Date Placeholder 3"/>
           <p:cNvSpPr>
             <a:spLocks noGrp="1"/>
           </p:cNvSpPr>
@@ -679,13 +816,7 @@
       </p:sp>
       <p:sp>
         <p:nvSpPr>
-          <p:cNvPr id="5" name="Footer Placeholder 4">
-            <a:extLst>
-              <a:ext uri="{FF2B5EF4-FFF2-40B4-BE49-F238E27FC236}">
-                <a16:creationId xmlns:a16="http://schemas.microsoft.com/office/drawing/2014/main" id="{7612204C-AA60-4960-C059-9FD0B3225C0A}"/>
-              </a:ext>
-            </a:extLst>
-          </p:cNvPr>
+          <p:cNvPr id="5" name="Footer Placeholder 4"/>
           <p:cNvSpPr>
             <a:spLocks noGrp="1"/>
           </p:cNvSpPr>
@@ -704,13 +835,7 @@
       </p:sp>
       <p:sp>
         <p:nvSpPr>
-          <p:cNvPr id="6" name="Slide Number Placeholder 5">
-            <a:extLst>
-              <a:ext uri="{FF2B5EF4-FFF2-40B4-BE49-F238E27FC236}">
-                <a16:creationId xmlns:a16="http://schemas.microsoft.com/office/drawing/2014/main" id="{84BD1D1B-246D-EB74-5FC4-59CA78B72875}"/>
-              </a:ext>
-            </a:extLst>
-          </p:cNvPr>
+          <p:cNvPr id="6" name="Slide Number Placeholder 5"/>
           <p:cNvSpPr>
             <a:spLocks noGrp="1"/>
           </p:cNvSpPr>
@@ -734,7 +859,7 @@
     </p:spTree>
     <p:extLst>
       <p:ext uri="{BB962C8B-B14F-4D97-AF65-F5344CB8AC3E}">
-        <p14:creationId xmlns:p14="http://schemas.microsoft.com/office/powerpoint/2010/main" val="2986026246"/>
+        <p14:creationId xmlns:p14="http://schemas.microsoft.com/office/powerpoint/2010/main" val="212657994"/>
       </p:ext>
     </p:extLst>
   </p:cSld>
@@ -763,13 +888,7 @@
       </p:grpSpPr>
       <p:sp>
         <p:nvSpPr>
-          <p:cNvPr id="2" name="Title 1">
-            <a:extLst>
-              <a:ext uri="{FF2B5EF4-FFF2-40B4-BE49-F238E27FC236}">
-                <a16:creationId xmlns:a16="http://schemas.microsoft.com/office/drawing/2014/main" id="{78C58EED-8EAB-9113-08DF-AFE2BD7E8EFA}"/>
-              </a:ext>
-            </a:extLst>
-          </p:cNvPr>
+          <p:cNvPr id="2" name="Title 1"/>
           <p:cNvSpPr>
             <a:spLocks noGrp="1"/>
           </p:cNvSpPr>
@@ -780,24 +899,23 @@
         <p:spPr/>
         <p:txBody>
           <a:bodyPr/>
-          <a:lstStyle/>
+          <a:lstStyle>
+            <a:lvl1pPr marL="0">
+              <a:defRPr/>
+            </a:lvl1pPr>
+          </a:lstStyle>
           <a:p>
             <a:r>
               <a:rPr lang="en-US"/>
               <a:t>Click to edit Master title style</a:t>
             </a:r>
-          </a:p>
-        </p:txBody>
-      </p:sp>
-      <p:sp>
-        <p:nvSpPr>
-          <p:cNvPr id="3" name="Content Placeholder 2">
-            <a:extLst>
-              <a:ext uri="{FF2B5EF4-FFF2-40B4-BE49-F238E27FC236}">
-                <a16:creationId xmlns:a16="http://schemas.microsoft.com/office/drawing/2014/main" id="{8F718CA9-2800-34A8-7A6D-D64ACA79E0A4}"/>
-              </a:ext>
-            </a:extLst>
-          </p:cNvPr>
+            <a:endParaRPr lang="en-US" dirty="0"/>
+          </a:p>
+        </p:txBody>
+      </p:sp>
+      <p:sp>
+        <p:nvSpPr>
+          <p:cNvPr id="3" name="Content Placeholder 2"/>
           <p:cNvSpPr>
             <a:spLocks noGrp="1"/>
           </p:cNvSpPr>
@@ -843,18 +961,13 @@
               <a:rPr lang="en-US"/>
               <a:t>Fifth level</a:t>
             </a:r>
-          </a:p>
-        </p:txBody>
-      </p:sp>
-      <p:sp>
-        <p:nvSpPr>
-          <p:cNvPr id="4" name="Date Placeholder 3">
-            <a:extLst>
-              <a:ext uri="{FF2B5EF4-FFF2-40B4-BE49-F238E27FC236}">
-                <a16:creationId xmlns:a16="http://schemas.microsoft.com/office/drawing/2014/main" id="{DF33DF58-ADF8-C3FB-210B-B7E52F3CABE2}"/>
-              </a:ext>
-            </a:extLst>
-          </p:cNvPr>
+            <a:endParaRPr lang="en-US" dirty="0"/>
+          </a:p>
+        </p:txBody>
+      </p:sp>
+      <p:sp>
+        <p:nvSpPr>
+          <p:cNvPr id="4" name="Date Placeholder 3"/>
           <p:cNvSpPr>
             <a:spLocks noGrp="1"/>
           </p:cNvSpPr>
@@ -877,13 +990,7 @@
       </p:sp>
       <p:sp>
         <p:nvSpPr>
-          <p:cNvPr id="5" name="Footer Placeholder 4">
-            <a:extLst>
-              <a:ext uri="{FF2B5EF4-FFF2-40B4-BE49-F238E27FC236}">
-                <a16:creationId xmlns:a16="http://schemas.microsoft.com/office/drawing/2014/main" id="{9E0983DA-D578-9B99-896F-8F3D221F11E7}"/>
-              </a:ext>
-            </a:extLst>
-          </p:cNvPr>
+          <p:cNvPr id="5" name="Footer Placeholder 4"/>
           <p:cNvSpPr>
             <a:spLocks noGrp="1"/>
           </p:cNvSpPr>
@@ -902,13 +1009,7 @@
       </p:sp>
       <p:sp>
         <p:nvSpPr>
-          <p:cNvPr id="6" name="Slide Number Placeholder 5">
-            <a:extLst>
-              <a:ext uri="{FF2B5EF4-FFF2-40B4-BE49-F238E27FC236}">
-                <a16:creationId xmlns:a16="http://schemas.microsoft.com/office/drawing/2014/main" id="{EDBFC0E8-227A-C26B-99C8-86DE57C9F4F9}"/>
-              </a:ext>
-            </a:extLst>
-          </p:cNvPr>
+          <p:cNvPr id="6" name="Slide Number Placeholder 5"/>
           <p:cNvSpPr>
             <a:spLocks noGrp="1"/>
           </p:cNvSpPr>
@@ -932,7 +1033,7 @@
     </p:spTree>
     <p:extLst>
       <p:ext uri="{BB962C8B-B14F-4D97-AF65-F5344CB8AC3E}">
-        <p14:creationId xmlns:p14="http://schemas.microsoft.com/office/powerpoint/2010/main" val="2469616794"/>
+        <p14:creationId xmlns:p14="http://schemas.microsoft.com/office/powerpoint/2010/main" val="2443090830"/>
       </p:ext>
     </p:extLst>
   </p:cSld>
@@ -943,8 +1044,16 @@
 </file>
 
 <file path=ppt/slideLayouts/slideLayout3.xml><?xml version="1.0" encoding="utf-8"?>
-<p:sldLayout xmlns:a="http://schemas.openxmlformats.org/drawingml/2006/main" xmlns:r="http://schemas.openxmlformats.org/officeDocument/2006/relationships" xmlns:p="http://schemas.openxmlformats.org/presentationml/2006/main" type="secHead" preserve="1">
+<p:sldLayout xmlns:a="http://schemas.openxmlformats.org/drawingml/2006/main" xmlns:r="http://schemas.openxmlformats.org/officeDocument/2006/relationships" xmlns:p="http://schemas.openxmlformats.org/presentationml/2006/main" showMasterSp="0" type="secHead" preserve="1">
   <p:cSld name="Section Header">
+    <p:bg>
+      <p:bgPr>
+        <a:solidFill>
+          <a:schemeClr val="bg1"/>
+        </a:solidFill>
+        <a:effectLst/>
+      </p:bgPr>
+    </p:bg>
     <p:spTree>
       <p:nvGrpSpPr>
         <p:cNvPr id="1" name=""/>
@@ -961,79 +1070,157 @@
       </p:grpSpPr>
       <p:sp>
         <p:nvSpPr>
-          <p:cNvPr id="2" name="Title 1">
-            <a:extLst>
-              <a:ext uri="{FF2B5EF4-FFF2-40B4-BE49-F238E27FC236}">
-                <a16:creationId xmlns:a16="http://schemas.microsoft.com/office/drawing/2014/main" id="{809C6B92-D30B-05F7-0133-0C0A11C49100}"/>
-              </a:ext>
-            </a:extLst>
-          </p:cNvPr>
-          <p:cNvSpPr>
-            <a:spLocks noGrp="1"/>
-          </p:cNvSpPr>
-          <p:nvPr>
-            <p:ph type="title"/>
-          </p:nvPr>
+          <p:cNvPr id="7" name="Rectangle 6"/>
+          <p:cNvSpPr/>
+          <p:nvPr/>
         </p:nvSpPr>
         <p:spPr>
           <a:xfrm>
-            <a:off x="831850" y="1709738"/>
-            <a:ext cx="10515600" cy="2852737"/>
+            <a:off x="3175" y="6400800"/>
+            <a:ext cx="12188825" cy="457200"/>
+          </a:xfrm>
+          <a:prstGeom prst="rect">
+            <a:avLst/>
+          </a:prstGeom>
+          <a:solidFill>
+            <a:schemeClr val="accent2"/>
+          </a:solidFill>
+          <a:ln>
+            <a:noFill/>
+          </a:ln>
+        </p:spPr>
+        <p:style>
+          <a:lnRef idx="2">
+            <a:schemeClr val="accent1">
+              <a:shade val="50000"/>
+            </a:schemeClr>
+          </a:lnRef>
+          <a:fillRef idx="1">
+            <a:schemeClr val="accent1"/>
+          </a:fillRef>
+          <a:effectRef idx="0">
+            <a:schemeClr val="accent1"/>
+          </a:effectRef>
+          <a:fontRef idx="minor">
+            <a:schemeClr val="lt1"/>
+          </a:fontRef>
+        </p:style>
+      </p:sp>
+      <p:sp>
+        <p:nvSpPr>
+          <p:cNvPr id="8" name="Rectangle 7"/>
+          <p:cNvSpPr/>
+          <p:nvPr/>
+        </p:nvSpPr>
+        <p:spPr>
+          <a:xfrm>
+            <a:off x="15" y="6334316"/>
+            <a:ext cx="12188825" cy="64008"/>
+          </a:xfrm>
+          <a:prstGeom prst="rect">
+            <a:avLst/>
+          </a:prstGeom>
+          <a:solidFill>
+            <a:schemeClr val="accent1"/>
+          </a:solidFill>
+          <a:ln>
+            <a:noFill/>
+          </a:ln>
+        </p:spPr>
+        <p:style>
+          <a:lnRef idx="2">
+            <a:schemeClr val="accent1">
+              <a:shade val="50000"/>
+            </a:schemeClr>
+          </a:lnRef>
+          <a:fillRef idx="1">
+            <a:schemeClr val="accent1"/>
+          </a:fillRef>
+          <a:effectRef idx="0">
+            <a:schemeClr val="accent1"/>
+          </a:effectRef>
+          <a:fontRef idx="minor">
+            <a:schemeClr val="lt1"/>
+          </a:fontRef>
+        </p:style>
+      </p:sp>
+      <p:sp>
+        <p:nvSpPr>
+          <p:cNvPr id="2" name="Title 1"/>
+          <p:cNvSpPr>
+            <a:spLocks noGrp="1"/>
+          </p:cNvSpPr>
+          <p:nvPr>
+            <p:ph type="title"/>
+          </p:nvPr>
+        </p:nvSpPr>
+        <p:spPr>
+          <a:xfrm>
+            <a:off x="1097280" y="758952"/>
+            <a:ext cx="10058400" cy="3566160"/>
           </a:xfrm>
         </p:spPr>
         <p:txBody>
-          <a:bodyPr anchor="b"/>
+          <a:bodyPr anchor="b" anchorCtr="0">
+            <a:normAutofit/>
+          </a:bodyPr>
           <a:lstStyle>
             <a:lvl1pPr>
-              <a:defRPr sz="6000"/>
-            </a:lvl1pPr>
-          </a:lstStyle>
-          <a:p>
-            <a:r>
-              <a:rPr lang="en-US"/>
-              <a:t>Click to edit Master title style</a:t>
-            </a:r>
-          </a:p>
-        </p:txBody>
-      </p:sp>
-      <p:sp>
-        <p:nvSpPr>
-          <p:cNvPr id="3" name="Text Placeholder 2">
-            <a:extLst>
-              <a:ext uri="{FF2B5EF4-FFF2-40B4-BE49-F238E27FC236}">
-                <a16:creationId xmlns:a16="http://schemas.microsoft.com/office/drawing/2014/main" id="{BDBEB3BC-AA1E-07F8-5DA3-DD4896989087}"/>
-              </a:ext>
-            </a:extLst>
-          </p:cNvPr>
-          <p:cNvSpPr>
-            <a:spLocks noGrp="1"/>
-          </p:cNvSpPr>
-          <p:nvPr>
-            <p:ph type="body" idx="1"/>
-          </p:nvPr>
-        </p:nvSpPr>
-        <p:spPr>
-          <a:xfrm>
-            <a:off x="831850" y="4589463"/>
-            <a:ext cx="10515600" cy="1500187"/>
-          </a:xfrm>
-        </p:spPr>
-        <p:txBody>
-          <a:bodyPr/>
-          <a:lstStyle>
-            <a:lvl1pPr marL="0" indent="0">
-              <a:buNone/>
-              <a:defRPr sz="2400">
+              <a:lnSpc>
+                <a:spcPct val="85000"/>
+              </a:lnSpc>
+              <a:defRPr sz="8000" b="0">
                 <a:solidFill>
                   <a:schemeClr val="tx1">
-                    <a:tint val="75000"/>
+                    <a:lumMod val="85000"/>
+                    <a:lumOff val="15000"/>
                   </a:schemeClr>
                 </a:solidFill>
               </a:defRPr>
             </a:lvl1pPr>
+          </a:lstStyle>
+          <a:p>
+            <a:r>
+              <a:rPr lang="en-US"/>
+              <a:t>Click to edit Master title style</a:t>
+            </a:r>
+            <a:endParaRPr lang="en-US" dirty="0"/>
+          </a:p>
+        </p:txBody>
+      </p:sp>
+      <p:sp>
+        <p:nvSpPr>
+          <p:cNvPr id="3" name="Text Placeholder 2"/>
+          <p:cNvSpPr>
+            <a:spLocks noGrp="1"/>
+          </p:cNvSpPr>
+          <p:nvPr>
+            <p:ph type="body" idx="1"/>
+          </p:nvPr>
+        </p:nvSpPr>
+        <p:spPr>
+          <a:xfrm>
+            <a:off x="1097280" y="4453128"/>
+            <a:ext cx="10058400" cy="1143000"/>
+          </a:xfrm>
+        </p:spPr>
+        <p:txBody>
+          <a:bodyPr lIns="91440" rIns="91440" anchor="t" anchorCtr="0">
+            <a:normAutofit/>
+          </a:bodyPr>
+          <a:lstStyle>
+            <a:lvl1pPr marL="0" indent="0">
+              <a:buNone/>
+              <a:defRPr sz="2400" cap="all" spc="200" baseline="0">
+                <a:solidFill>
+                  <a:schemeClr val="tx2"/>
+                </a:solidFill>
+                <a:latin typeface="+mj-lt"/>
+              </a:defRPr>
+            </a:lvl1pPr>
             <a:lvl2pPr marL="457200" indent="0">
               <a:buNone/>
-              <a:defRPr sz="2000">
+              <a:defRPr sz="1800">
                 <a:solidFill>
                   <a:schemeClr val="tx1">
                     <a:tint val="75000"/>
@@ -1043,7 +1230,7 @@
             </a:lvl2pPr>
             <a:lvl3pPr marL="914400" indent="0">
               <a:buNone/>
-              <a:defRPr sz="1800">
+              <a:defRPr sz="1600">
                 <a:solidFill>
                   <a:schemeClr val="tx1">
                     <a:tint val="75000"/>
@@ -1053,7 +1240,7 @@
             </a:lvl3pPr>
             <a:lvl4pPr marL="1371600" indent="0">
               <a:buNone/>
-              <a:defRPr sz="1600">
+              <a:defRPr sz="1400">
                 <a:solidFill>
                   <a:schemeClr val="tx1">
                     <a:tint val="75000"/>
@@ -1063,7 +1250,7 @@
             </a:lvl4pPr>
             <a:lvl5pPr marL="1828800" indent="0">
               <a:buNone/>
-              <a:defRPr sz="1600">
+              <a:defRPr sz="1400">
                 <a:solidFill>
                   <a:schemeClr val="tx1">
                     <a:tint val="75000"/>
@@ -1073,7 +1260,7 @@
             </a:lvl5pPr>
             <a:lvl6pPr marL="2286000" indent="0">
               <a:buNone/>
-              <a:defRPr sz="1600">
+              <a:defRPr sz="1400">
                 <a:solidFill>
                   <a:schemeClr val="tx1">
                     <a:tint val="75000"/>
@@ -1083,7 +1270,7 @@
             </a:lvl6pPr>
             <a:lvl7pPr marL="2743200" indent="0">
               <a:buNone/>
-              <a:defRPr sz="1600">
+              <a:defRPr sz="1400">
                 <a:solidFill>
                   <a:schemeClr val="tx1">
                     <a:tint val="75000"/>
@@ -1093,7 +1280,7 @@
             </a:lvl7pPr>
             <a:lvl8pPr marL="3200400" indent="0">
               <a:buNone/>
-              <a:defRPr sz="1600">
+              <a:defRPr sz="1400">
                 <a:solidFill>
                   <a:schemeClr val="tx1">
                     <a:tint val="75000"/>
@@ -1103,7 +1290,7 @@
             </a:lvl8pPr>
             <a:lvl9pPr marL="3657600" indent="0">
               <a:buNone/>
-              <a:defRPr sz="1600">
+              <a:defRPr sz="1400">
                 <a:solidFill>
                   <a:schemeClr val="tx1">
                     <a:tint val="75000"/>
@@ -1123,13 +1310,7 @@
       </p:sp>
       <p:sp>
         <p:nvSpPr>
-          <p:cNvPr id="4" name="Date Placeholder 3">
-            <a:extLst>
-              <a:ext uri="{FF2B5EF4-FFF2-40B4-BE49-F238E27FC236}">
-                <a16:creationId xmlns:a16="http://schemas.microsoft.com/office/drawing/2014/main" id="{A6487215-BBD1-EFEE-C0CD-695E7C99482C}"/>
-              </a:ext>
-            </a:extLst>
-          </p:cNvPr>
+          <p:cNvPr id="4" name="Date Placeholder 3"/>
           <p:cNvSpPr>
             <a:spLocks noGrp="1"/>
           </p:cNvSpPr>
@@ -1152,13 +1333,7 @@
       </p:sp>
       <p:sp>
         <p:nvSpPr>
-          <p:cNvPr id="5" name="Footer Placeholder 4">
-            <a:extLst>
-              <a:ext uri="{FF2B5EF4-FFF2-40B4-BE49-F238E27FC236}">
-                <a16:creationId xmlns:a16="http://schemas.microsoft.com/office/drawing/2014/main" id="{BC004A6C-3182-F594-FF1B-5C26BFDE2221}"/>
-              </a:ext>
-            </a:extLst>
-          </p:cNvPr>
+          <p:cNvPr id="5" name="Footer Placeholder 4"/>
           <p:cNvSpPr>
             <a:spLocks noGrp="1"/>
           </p:cNvSpPr>
@@ -1177,13 +1352,7 @@
       </p:sp>
       <p:sp>
         <p:nvSpPr>
-          <p:cNvPr id="6" name="Slide Number Placeholder 5">
-            <a:extLst>
-              <a:ext uri="{FF2B5EF4-FFF2-40B4-BE49-F238E27FC236}">
-                <a16:creationId xmlns:a16="http://schemas.microsoft.com/office/drawing/2014/main" id="{13E91D9F-FEFA-B0A9-EDB9-B36BF05C738C}"/>
-              </a:ext>
-            </a:extLst>
-          </p:cNvPr>
+          <p:cNvPr id="6" name="Slide Number Placeholder 5"/>
           <p:cNvSpPr>
             <a:spLocks noGrp="1"/>
           </p:cNvSpPr>
@@ -1204,10 +1373,48 @@
           </a:p>
         </p:txBody>
       </p:sp>
+      <p:cxnSp>
+        <p:nvCxnSpPr>
+          <p:cNvPr id="9" name="Straight Connector 8"/>
+          <p:cNvCxnSpPr/>
+          <p:nvPr/>
+        </p:nvCxnSpPr>
+        <p:spPr>
+          <a:xfrm>
+            <a:off x="1207658" y="4343400"/>
+            <a:ext cx="9875520" cy="0"/>
+          </a:xfrm>
+          <a:prstGeom prst="line">
+            <a:avLst/>
+          </a:prstGeom>
+          <a:ln w="6350">
+            <a:solidFill>
+              <a:schemeClr val="tx1">
+                <a:lumMod val="50000"/>
+                <a:lumOff val="50000"/>
+              </a:schemeClr>
+            </a:solidFill>
+          </a:ln>
+        </p:spPr>
+        <p:style>
+          <a:lnRef idx="1">
+            <a:schemeClr val="accent1"/>
+          </a:lnRef>
+          <a:fillRef idx="0">
+            <a:schemeClr val="accent1"/>
+          </a:fillRef>
+          <a:effectRef idx="0">
+            <a:schemeClr val="accent1"/>
+          </a:effectRef>
+          <a:fontRef idx="minor">
+            <a:schemeClr val="tx1"/>
+          </a:fontRef>
+        </p:style>
+      </p:cxnSp>
     </p:spTree>
     <p:extLst>
       <p:ext uri="{BB962C8B-B14F-4D97-AF65-F5344CB8AC3E}">
-        <p14:creationId xmlns:p14="http://schemas.microsoft.com/office/powerpoint/2010/main" val="3847037570"/>
+        <p14:creationId xmlns:p14="http://schemas.microsoft.com/office/powerpoint/2010/main" val="4025974626"/>
       </p:ext>
     </p:extLst>
   </p:cSld>
@@ -1236,114 +1443,46 @@
       </p:grpSpPr>
       <p:sp>
         <p:nvSpPr>
-          <p:cNvPr id="2" name="Title 1">
-            <a:extLst>
-              <a:ext uri="{FF2B5EF4-FFF2-40B4-BE49-F238E27FC236}">
-                <a16:creationId xmlns:a16="http://schemas.microsoft.com/office/drawing/2014/main" id="{65C10ED2-EF9E-3020-D5FD-04DBEB8DED3D}"/>
-              </a:ext>
-            </a:extLst>
-          </p:cNvPr>
+          <p:cNvPr id="8" name="Title 7"/>
           <p:cNvSpPr>
             <a:spLocks noGrp="1"/>
           </p:cNvSpPr>
           <p:nvPr>
             <p:ph type="title"/>
-          </p:nvPr>
-        </p:nvSpPr>
-        <p:spPr/>
-        <p:txBody>
-          <a:bodyPr/>
-          <a:lstStyle/>
-          <a:p>
-            <a:r>
-              <a:rPr lang="en-US"/>
-              <a:t>Click to edit Master title style</a:t>
-            </a:r>
-          </a:p>
-        </p:txBody>
-      </p:sp>
-      <p:sp>
-        <p:nvSpPr>
-          <p:cNvPr id="3" name="Content Placeholder 2">
-            <a:extLst>
-              <a:ext uri="{FF2B5EF4-FFF2-40B4-BE49-F238E27FC236}">
-                <a16:creationId xmlns:a16="http://schemas.microsoft.com/office/drawing/2014/main" id="{95F8439C-085E-472A-D28F-F9111DADA021}"/>
-              </a:ext>
-            </a:extLst>
-          </p:cNvPr>
-          <p:cNvSpPr>
-            <a:spLocks noGrp="1"/>
-          </p:cNvSpPr>
-          <p:nvPr>
-            <p:ph sz="half" idx="1"/>
           </p:nvPr>
         </p:nvSpPr>
         <p:spPr>
           <a:xfrm>
-            <a:off x="838200" y="1825625"/>
-            <a:ext cx="5181600" cy="4351338"/>
+            <a:off x="1097280" y="286603"/>
+            <a:ext cx="10058400" cy="1450757"/>
           </a:xfrm>
         </p:spPr>
         <p:txBody>
           <a:bodyPr/>
           <a:lstStyle/>
           <a:p>
-            <a:pPr lvl="0"/>
-            <a:r>
-              <a:rPr lang="en-US"/>
-              <a:t>Click to edit Master text styles</a:t>
-            </a:r>
-          </a:p>
-          <a:p>
-            <a:pPr lvl="1"/>
-            <a:r>
-              <a:rPr lang="en-US"/>
-              <a:t>Second level</a:t>
-            </a:r>
-          </a:p>
-          <a:p>
-            <a:pPr lvl="2"/>
-            <a:r>
-              <a:rPr lang="en-US"/>
-              <a:t>Third level</a:t>
-            </a:r>
-          </a:p>
-          <a:p>
-            <a:pPr lvl="3"/>
-            <a:r>
-              <a:rPr lang="en-US"/>
-              <a:t>Fourth level</a:t>
-            </a:r>
-          </a:p>
-          <a:p>
-            <a:pPr lvl="4"/>
-            <a:r>
-              <a:rPr lang="en-US"/>
-              <a:t>Fifth level</a:t>
-            </a:r>
-          </a:p>
-        </p:txBody>
-      </p:sp>
-      <p:sp>
-        <p:nvSpPr>
-          <p:cNvPr id="4" name="Content Placeholder 3">
-            <a:extLst>
-              <a:ext uri="{FF2B5EF4-FFF2-40B4-BE49-F238E27FC236}">
-                <a16:creationId xmlns:a16="http://schemas.microsoft.com/office/drawing/2014/main" id="{A0386980-B6B2-D092-2C20-C0D68F2A142F}"/>
-              </a:ext>
-            </a:extLst>
-          </p:cNvPr>
-          <p:cNvSpPr>
-            <a:spLocks noGrp="1"/>
-          </p:cNvSpPr>
-          <p:nvPr>
-            <p:ph sz="half" idx="2"/>
+            <a:r>
+              <a:rPr lang="en-US"/>
+              <a:t>Click to edit Master title style</a:t>
+            </a:r>
+            <a:endParaRPr lang="en-US" dirty="0"/>
+          </a:p>
+        </p:txBody>
+      </p:sp>
+      <p:sp>
+        <p:nvSpPr>
+          <p:cNvPr id="3" name="Content Placeholder 2"/>
+          <p:cNvSpPr>
+            <a:spLocks noGrp="1"/>
+          </p:cNvSpPr>
+          <p:nvPr>
+            <p:ph sz="half" idx="1"/>
           </p:nvPr>
         </p:nvSpPr>
         <p:spPr>
           <a:xfrm>
-            <a:off x="6172200" y="1825625"/>
-            <a:ext cx="5181600" cy="4351338"/>
+            <a:off x="1097279" y="1845734"/>
+            <a:ext cx="4937760" cy="4023360"/>
           </a:xfrm>
         </p:spPr>
         <p:txBody>
@@ -1383,18 +1522,70 @@
               <a:rPr lang="en-US"/>
               <a:t>Fifth level</a:t>
             </a:r>
-          </a:p>
-        </p:txBody>
-      </p:sp>
-      <p:sp>
-        <p:nvSpPr>
-          <p:cNvPr id="5" name="Date Placeholder 4">
-            <a:extLst>
-              <a:ext uri="{FF2B5EF4-FFF2-40B4-BE49-F238E27FC236}">
-                <a16:creationId xmlns:a16="http://schemas.microsoft.com/office/drawing/2014/main" id="{10DCE6A7-9337-A411-4429-287DE2D73D56}"/>
-              </a:ext>
-            </a:extLst>
-          </p:cNvPr>
+            <a:endParaRPr lang="en-US" dirty="0"/>
+          </a:p>
+        </p:txBody>
+      </p:sp>
+      <p:sp>
+        <p:nvSpPr>
+          <p:cNvPr id="4" name="Content Placeholder 3"/>
+          <p:cNvSpPr>
+            <a:spLocks noGrp="1"/>
+          </p:cNvSpPr>
+          <p:nvPr>
+            <p:ph sz="half" idx="2"/>
+          </p:nvPr>
+        </p:nvSpPr>
+        <p:spPr>
+          <a:xfrm>
+            <a:off x="6217920" y="1845735"/>
+            <a:ext cx="4937760" cy="4023360"/>
+          </a:xfrm>
+        </p:spPr>
+        <p:txBody>
+          <a:bodyPr/>
+          <a:lstStyle/>
+          <a:p>
+            <a:pPr lvl="0"/>
+            <a:r>
+              <a:rPr lang="en-US"/>
+              <a:t>Click to edit Master text styles</a:t>
+            </a:r>
+          </a:p>
+          <a:p>
+            <a:pPr lvl="1"/>
+            <a:r>
+              <a:rPr lang="en-US"/>
+              <a:t>Second level</a:t>
+            </a:r>
+          </a:p>
+          <a:p>
+            <a:pPr lvl="2"/>
+            <a:r>
+              <a:rPr lang="en-US"/>
+              <a:t>Third level</a:t>
+            </a:r>
+          </a:p>
+          <a:p>
+            <a:pPr lvl="3"/>
+            <a:r>
+              <a:rPr lang="en-US"/>
+              <a:t>Fourth level</a:t>
+            </a:r>
+          </a:p>
+          <a:p>
+            <a:pPr lvl="4"/>
+            <a:r>
+              <a:rPr lang="en-US"/>
+              <a:t>Fifth level</a:t>
+            </a:r>
+            <a:endParaRPr lang="en-US" dirty="0"/>
+          </a:p>
+        </p:txBody>
+      </p:sp>
+      <p:sp>
+        <p:nvSpPr>
+          <p:cNvPr id="5" name="Date Placeholder 4"/>
           <p:cNvSpPr>
             <a:spLocks noGrp="1"/>
           </p:cNvSpPr>
@@ -1417,13 +1608,7 @@
       </p:sp>
       <p:sp>
         <p:nvSpPr>
-          <p:cNvPr id="6" name="Footer Placeholder 5">
-            <a:extLst>
-              <a:ext uri="{FF2B5EF4-FFF2-40B4-BE49-F238E27FC236}">
-                <a16:creationId xmlns:a16="http://schemas.microsoft.com/office/drawing/2014/main" id="{27E4B144-B352-6178-BF0F-8901B130EF26}"/>
-              </a:ext>
-            </a:extLst>
-          </p:cNvPr>
+          <p:cNvPr id="6" name="Footer Placeholder 5"/>
           <p:cNvSpPr>
             <a:spLocks noGrp="1"/>
           </p:cNvSpPr>
@@ -1442,13 +1627,7 @@
       </p:sp>
       <p:sp>
         <p:nvSpPr>
-          <p:cNvPr id="7" name="Slide Number Placeholder 6">
-            <a:extLst>
-              <a:ext uri="{FF2B5EF4-FFF2-40B4-BE49-F238E27FC236}">
-                <a16:creationId xmlns:a16="http://schemas.microsoft.com/office/drawing/2014/main" id="{25C50EF7-7B41-F970-35DC-0E80928D9CCE}"/>
-              </a:ext>
-            </a:extLst>
-          </p:cNvPr>
+          <p:cNvPr id="7" name="Slide Number Placeholder 6"/>
           <p:cNvSpPr>
             <a:spLocks noGrp="1"/>
           </p:cNvSpPr>
@@ -1472,7 +1651,7 @@
     </p:spTree>
     <p:extLst>
       <p:ext uri="{BB962C8B-B14F-4D97-AF65-F5344CB8AC3E}">
-        <p14:creationId xmlns:p14="http://schemas.microsoft.com/office/powerpoint/2010/main" val="3824788541"/>
+        <p14:creationId xmlns:p14="http://schemas.microsoft.com/office/powerpoint/2010/main" val="2110233783"/>
       </p:ext>
     </p:extLst>
   </p:cSld>
@@ -1501,13 +1680,7 @@
       </p:grpSpPr>
       <p:sp>
         <p:nvSpPr>
-          <p:cNvPr id="2" name="Title 1">
-            <a:extLst>
-              <a:ext uri="{FF2B5EF4-FFF2-40B4-BE49-F238E27FC236}">
-                <a16:creationId xmlns:a16="http://schemas.microsoft.com/office/drawing/2014/main" id="{A33CF23A-9888-5422-FC71-98CBD73F2602}"/>
-              </a:ext>
-            </a:extLst>
-          </p:cNvPr>
+          <p:cNvPr id="10" name="Title 9"/>
           <p:cNvSpPr>
             <a:spLocks noGrp="1"/>
           </p:cNvSpPr>
@@ -1517,8 +1690,8 @@
         </p:nvSpPr>
         <p:spPr>
           <a:xfrm>
-            <a:off x="839788" y="365125"/>
-            <a:ext cx="10515600" cy="1325563"/>
+            <a:off x="1097280" y="286603"/>
+            <a:ext cx="10058400" cy="1450757"/>
           </a:xfrm>
         </p:spPr>
         <p:txBody>
@@ -1529,18 +1702,13 @@
               <a:rPr lang="en-US"/>
               <a:t>Click to edit Master title style</a:t>
             </a:r>
-          </a:p>
-        </p:txBody>
-      </p:sp>
-      <p:sp>
-        <p:nvSpPr>
-          <p:cNvPr id="3" name="Text Placeholder 2">
-            <a:extLst>
-              <a:ext uri="{FF2B5EF4-FFF2-40B4-BE49-F238E27FC236}">
-                <a16:creationId xmlns:a16="http://schemas.microsoft.com/office/drawing/2014/main" id="{00F48115-04C6-50BC-FDD4-3F7A686F3600}"/>
-              </a:ext>
-            </a:extLst>
-          </p:cNvPr>
+            <a:endParaRPr lang="en-US" dirty="0"/>
+          </a:p>
+        </p:txBody>
+      </p:sp>
+      <p:sp>
+        <p:nvSpPr>
+          <p:cNvPr id="3" name="Text Placeholder 2"/>
           <p:cNvSpPr>
             <a:spLocks noGrp="1"/>
           </p:cNvSpPr>
@@ -1550,16 +1718,22 @@
         </p:nvSpPr>
         <p:spPr>
           <a:xfrm>
-            <a:off x="839788" y="1681163"/>
-            <a:ext cx="5157787" cy="823912"/>
+            <a:off x="1097280" y="1846052"/>
+            <a:ext cx="4937760" cy="736282"/>
           </a:xfrm>
         </p:spPr>
         <p:txBody>
-          <a:bodyPr anchor="b"/>
+          <a:bodyPr lIns="91440" rIns="91440" anchor="ctr">
+            <a:normAutofit/>
+          </a:bodyPr>
           <a:lstStyle>
             <a:lvl1pPr marL="0" indent="0">
               <a:buNone/>
-              <a:defRPr sz="2400" b="1"/>
+              <a:defRPr sz="2000" b="0" cap="all" baseline="0">
+                <a:solidFill>
+                  <a:schemeClr val="tx2"/>
+                </a:solidFill>
+              </a:defRPr>
             </a:lvl1pPr>
             <a:lvl2pPr marL="457200" indent="0">
               <a:buNone/>
@@ -1605,13 +1779,7 @@
       </p:sp>
       <p:sp>
         <p:nvSpPr>
-          <p:cNvPr id="4" name="Content Placeholder 3">
-            <a:extLst>
-              <a:ext uri="{FF2B5EF4-FFF2-40B4-BE49-F238E27FC236}">
-                <a16:creationId xmlns:a16="http://schemas.microsoft.com/office/drawing/2014/main" id="{DD2342D0-E215-1AB9-5493-DA35AA9650E8}"/>
-              </a:ext>
-            </a:extLst>
-          </p:cNvPr>
+          <p:cNvPr id="4" name="Content Placeholder 3"/>
           <p:cNvSpPr>
             <a:spLocks noGrp="1"/>
           </p:cNvSpPr>
@@ -1621,8 +1789,8 @@
         </p:nvSpPr>
         <p:spPr>
           <a:xfrm>
-            <a:off x="839788" y="2505075"/>
-            <a:ext cx="5157787" cy="3684588"/>
+            <a:off x="1097280" y="2582334"/>
+            <a:ext cx="4937760" cy="3378200"/>
           </a:xfrm>
         </p:spPr>
         <p:txBody>
@@ -1662,18 +1830,13 @@
               <a:rPr lang="en-US"/>
               <a:t>Fifth level</a:t>
             </a:r>
-          </a:p>
-        </p:txBody>
-      </p:sp>
-      <p:sp>
-        <p:nvSpPr>
-          <p:cNvPr id="5" name="Text Placeholder 4">
-            <a:extLst>
-              <a:ext uri="{FF2B5EF4-FFF2-40B4-BE49-F238E27FC236}">
-                <a16:creationId xmlns:a16="http://schemas.microsoft.com/office/drawing/2014/main" id="{E907E5F5-D3EF-1C9F-5E62-129100124175}"/>
-              </a:ext>
-            </a:extLst>
-          </p:cNvPr>
+            <a:endParaRPr lang="en-US" dirty="0"/>
+          </a:p>
+        </p:txBody>
+      </p:sp>
+      <p:sp>
+        <p:nvSpPr>
+          <p:cNvPr id="5" name="Text Placeholder 4"/>
           <p:cNvSpPr>
             <a:spLocks noGrp="1"/>
           </p:cNvSpPr>
@@ -1683,16 +1846,22 @@
         </p:nvSpPr>
         <p:spPr>
           <a:xfrm>
-            <a:off x="6172200" y="1681163"/>
-            <a:ext cx="5183188" cy="823912"/>
+            <a:off x="6217920" y="1846052"/>
+            <a:ext cx="4937760" cy="736282"/>
           </a:xfrm>
         </p:spPr>
         <p:txBody>
-          <a:bodyPr anchor="b"/>
+          <a:bodyPr lIns="91440" rIns="91440" anchor="ctr">
+            <a:normAutofit/>
+          </a:bodyPr>
           <a:lstStyle>
             <a:lvl1pPr marL="0" indent="0">
               <a:buNone/>
-              <a:defRPr sz="2400" b="1"/>
+              <a:defRPr sz="2000" b="0" cap="all" baseline="0">
+                <a:solidFill>
+                  <a:schemeClr val="tx2"/>
+                </a:solidFill>
+              </a:defRPr>
             </a:lvl1pPr>
             <a:lvl2pPr marL="457200" indent="0">
               <a:buNone/>
@@ -1738,13 +1907,7 @@
       </p:sp>
       <p:sp>
         <p:nvSpPr>
-          <p:cNvPr id="6" name="Content Placeholder 5">
-            <a:extLst>
-              <a:ext uri="{FF2B5EF4-FFF2-40B4-BE49-F238E27FC236}">
-                <a16:creationId xmlns:a16="http://schemas.microsoft.com/office/drawing/2014/main" id="{5B918547-EBBD-C346-9ACA-005E2F71EBBD}"/>
-              </a:ext>
-            </a:extLst>
-          </p:cNvPr>
+          <p:cNvPr id="6" name="Content Placeholder 5"/>
           <p:cNvSpPr>
             <a:spLocks noGrp="1"/>
           </p:cNvSpPr>
@@ -1754,8 +1917,8 @@
         </p:nvSpPr>
         <p:spPr>
           <a:xfrm>
-            <a:off x="6172200" y="2505075"/>
-            <a:ext cx="5183188" cy="3684588"/>
+            <a:off x="6217920" y="2582334"/>
+            <a:ext cx="4937760" cy="3378200"/>
           </a:xfrm>
         </p:spPr>
         <p:txBody>
@@ -1795,18 +1958,13 @@
               <a:rPr lang="en-US"/>
               <a:t>Fifth level</a:t>
             </a:r>
-          </a:p>
-        </p:txBody>
-      </p:sp>
-      <p:sp>
-        <p:nvSpPr>
-          <p:cNvPr id="7" name="Date Placeholder 6">
-            <a:extLst>
-              <a:ext uri="{FF2B5EF4-FFF2-40B4-BE49-F238E27FC236}">
-                <a16:creationId xmlns:a16="http://schemas.microsoft.com/office/drawing/2014/main" id="{1646B793-C00B-C8F2-508E-AA87ADEA8582}"/>
-              </a:ext>
-            </a:extLst>
-          </p:cNvPr>
+            <a:endParaRPr lang="en-US" dirty="0"/>
+          </a:p>
+        </p:txBody>
+      </p:sp>
+      <p:sp>
+        <p:nvSpPr>
+          <p:cNvPr id="7" name="Date Placeholder 6"/>
           <p:cNvSpPr>
             <a:spLocks noGrp="1"/>
           </p:cNvSpPr>
@@ -1829,13 +1987,7 @@
       </p:sp>
       <p:sp>
         <p:nvSpPr>
-          <p:cNvPr id="8" name="Footer Placeholder 7">
-            <a:extLst>
-              <a:ext uri="{FF2B5EF4-FFF2-40B4-BE49-F238E27FC236}">
-                <a16:creationId xmlns:a16="http://schemas.microsoft.com/office/drawing/2014/main" id="{2E8F938F-AC87-AB8D-3907-8037B8E9C3B9}"/>
-              </a:ext>
-            </a:extLst>
-          </p:cNvPr>
+          <p:cNvPr id="8" name="Footer Placeholder 7"/>
           <p:cNvSpPr>
             <a:spLocks noGrp="1"/>
           </p:cNvSpPr>
@@ -1854,13 +2006,7 @@
       </p:sp>
       <p:sp>
         <p:nvSpPr>
-          <p:cNvPr id="9" name="Slide Number Placeholder 8">
-            <a:extLst>
-              <a:ext uri="{FF2B5EF4-FFF2-40B4-BE49-F238E27FC236}">
-                <a16:creationId xmlns:a16="http://schemas.microsoft.com/office/drawing/2014/main" id="{288A7683-7101-2FBB-8AC2-FB6EE3271CB4}"/>
-              </a:ext>
-            </a:extLst>
-          </p:cNvPr>
+          <p:cNvPr id="9" name="Slide Number Placeholder 8"/>
           <p:cNvSpPr>
             <a:spLocks noGrp="1"/>
           </p:cNvSpPr>
@@ -1884,7 +2030,7 @@
     </p:spTree>
     <p:extLst>
       <p:ext uri="{BB962C8B-B14F-4D97-AF65-F5344CB8AC3E}">
-        <p14:creationId xmlns:p14="http://schemas.microsoft.com/office/powerpoint/2010/main" val="3097580567"/>
+        <p14:creationId xmlns:p14="http://schemas.microsoft.com/office/powerpoint/2010/main" val="3638498289"/>
       </p:ext>
     </p:extLst>
   </p:cSld>
@@ -1913,13 +2059,7 @@
       </p:grpSpPr>
       <p:sp>
         <p:nvSpPr>
-          <p:cNvPr id="2" name="Title 1">
-            <a:extLst>
-              <a:ext uri="{FF2B5EF4-FFF2-40B4-BE49-F238E27FC236}">
-                <a16:creationId xmlns:a16="http://schemas.microsoft.com/office/drawing/2014/main" id="{B36FC4B1-CE02-2D38-98C2-DCB9B964CD97}"/>
-              </a:ext>
-            </a:extLst>
-          </p:cNvPr>
+          <p:cNvPr id="2" name="Title 1"/>
           <p:cNvSpPr>
             <a:spLocks noGrp="1"/>
           </p:cNvSpPr>
@@ -1936,18 +2076,13 @@
               <a:rPr lang="en-US"/>
               <a:t>Click to edit Master title style</a:t>
             </a:r>
-          </a:p>
-        </p:txBody>
-      </p:sp>
-      <p:sp>
-        <p:nvSpPr>
-          <p:cNvPr id="3" name="Date Placeholder 2">
-            <a:extLst>
-              <a:ext uri="{FF2B5EF4-FFF2-40B4-BE49-F238E27FC236}">
-                <a16:creationId xmlns:a16="http://schemas.microsoft.com/office/drawing/2014/main" id="{7CA13A69-B3C9-451D-2821-12A0150E857A}"/>
-              </a:ext>
-            </a:extLst>
-          </p:cNvPr>
+            <a:endParaRPr lang="en-US" dirty="0"/>
+          </a:p>
+        </p:txBody>
+      </p:sp>
+      <p:sp>
+        <p:nvSpPr>
+          <p:cNvPr id="3" name="Date Placeholder 2"/>
           <p:cNvSpPr>
             <a:spLocks noGrp="1"/>
           </p:cNvSpPr>
@@ -1970,13 +2105,7 @@
       </p:sp>
       <p:sp>
         <p:nvSpPr>
-          <p:cNvPr id="4" name="Footer Placeholder 3">
-            <a:extLst>
-              <a:ext uri="{FF2B5EF4-FFF2-40B4-BE49-F238E27FC236}">
-                <a16:creationId xmlns:a16="http://schemas.microsoft.com/office/drawing/2014/main" id="{091F467A-98EE-AB6D-5E87-8D7DE7947268}"/>
-              </a:ext>
-            </a:extLst>
-          </p:cNvPr>
+          <p:cNvPr id="4" name="Footer Placeholder 3"/>
           <p:cNvSpPr>
             <a:spLocks noGrp="1"/>
           </p:cNvSpPr>
@@ -1995,13 +2124,7 @@
       </p:sp>
       <p:sp>
         <p:nvSpPr>
-          <p:cNvPr id="5" name="Slide Number Placeholder 4">
-            <a:extLst>
-              <a:ext uri="{FF2B5EF4-FFF2-40B4-BE49-F238E27FC236}">
-                <a16:creationId xmlns:a16="http://schemas.microsoft.com/office/drawing/2014/main" id="{9140FB94-7B6A-A00D-5C31-0F14110AE42B}"/>
-              </a:ext>
-            </a:extLst>
-          </p:cNvPr>
+          <p:cNvPr id="5" name="Slide Number Placeholder 4"/>
           <p:cNvSpPr>
             <a:spLocks noGrp="1"/>
           </p:cNvSpPr>
@@ -2025,7 +2148,7 @@
     </p:spTree>
     <p:extLst>
       <p:ext uri="{BB962C8B-B14F-4D97-AF65-F5344CB8AC3E}">
-        <p14:creationId xmlns:p14="http://schemas.microsoft.com/office/powerpoint/2010/main" val="2734325005"/>
+        <p14:creationId xmlns:p14="http://schemas.microsoft.com/office/powerpoint/2010/main" val="763679061"/>
       </p:ext>
     </p:extLst>
   </p:cSld>
@@ -2036,7 +2159,7 @@
 </file>
 
 <file path=ppt/slideLayouts/slideLayout7.xml><?xml version="1.0" encoding="utf-8"?>
-<p:sldLayout xmlns:a="http://schemas.openxmlformats.org/drawingml/2006/main" xmlns:r="http://schemas.openxmlformats.org/officeDocument/2006/relationships" xmlns:p="http://schemas.openxmlformats.org/presentationml/2006/main" type="blank" preserve="1">
+<p:sldLayout xmlns:a="http://schemas.openxmlformats.org/drawingml/2006/main" xmlns:r="http://schemas.openxmlformats.org/officeDocument/2006/relationships" xmlns:p="http://schemas.openxmlformats.org/presentationml/2006/main" showMasterSp="0" type="blank" preserve="1">
   <p:cSld name="Blank">
     <p:spTree>
       <p:nvGrpSpPr>
@@ -2054,13 +2177,83 @@
       </p:grpSpPr>
       <p:sp>
         <p:nvSpPr>
-          <p:cNvPr id="2" name="Date Placeholder 1">
-            <a:extLst>
-              <a:ext uri="{FF2B5EF4-FFF2-40B4-BE49-F238E27FC236}">
-                <a16:creationId xmlns:a16="http://schemas.microsoft.com/office/drawing/2014/main" id="{DE0C36FF-D1B2-B832-BD7F-DAB1F684D4E0}"/>
-              </a:ext>
-            </a:extLst>
-          </p:cNvPr>
+          <p:cNvPr id="5" name="Rectangle 4"/>
+          <p:cNvSpPr/>
+          <p:nvPr/>
+        </p:nvSpPr>
+        <p:spPr>
+          <a:xfrm>
+            <a:off x="3175" y="6400800"/>
+            <a:ext cx="12188825" cy="457200"/>
+          </a:xfrm>
+          <a:prstGeom prst="rect">
+            <a:avLst/>
+          </a:prstGeom>
+          <a:solidFill>
+            <a:schemeClr val="accent2"/>
+          </a:solidFill>
+          <a:ln>
+            <a:noFill/>
+          </a:ln>
+        </p:spPr>
+        <p:style>
+          <a:lnRef idx="2">
+            <a:schemeClr val="accent1">
+              <a:shade val="50000"/>
+            </a:schemeClr>
+          </a:lnRef>
+          <a:fillRef idx="1">
+            <a:schemeClr val="accent1"/>
+          </a:fillRef>
+          <a:effectRef idx="0">
+            <a:schemeClr val="accent1"/>
+          </a:effectRef>
+          <a:fontRef idx="minor">
+            <a:schemeClr val="lt1"/>
+          </a:fontRef>
+        </p:style>
+      </p:sp>
+      <p:sp>
+        <p:nvSpPr>
+          <p:cNvPr id="6" name="Rectangle 5"/>
+          <p:cNvSpPr/>
+          <p:nvPr/>
+        </p:nvSpPr>
+        <p:spPr>
+          <a:xfrm>
+            <a:off x="15" y="6334316"/>
+            <a:ext cx="12188825" cy="64008"/>
+          </a:xfrm>
+          <a:prstGeom prst="rect">
+            <a:avLst/>
+          </a:prstGeom>
+          <a:solidFill>
+            <a:schemeClr val="accent1"/>
+          </a:solidFill>
+          <a:ln>
+            <a:noFill/>
+          </a:ln>
+        </p:spPr>
+        <p:style>
+          <a:lnRef idx="2">
+            <a:schemeClr val="accent1">
+              <a:shade val="50000"/>
+            </a:schemeClr>
+          </a:lnRef>
+          <a:fillRef idx="1">
+            <a:schemeClr val="accent1"/>
+          </a:fillRef>
+          <a:effectRef idx="0">
+            <a:schemeClr val="accent1"/>
+          </a:effectRef>
+          <a:fontRef idx="minor">
+            <a:schemeClr val="lt1"/>
+          </a:fontRef>
+        </p:style>
+      </p:sp>
+      <p:sp>
+        <p:nvSpPr>
+          <p:cNvPr id="7" name="Date Placeholder 6"/>
           <p:cNvSpPr>
             <a:spLocks noGrp="1"/>
           </p:cNvSpPr>
@@ -2083,13 +2276,7 @@
       </p:sp>
       <p:sp>
         <p:nvSpPr>
-          <p:cNvPr id="3" name="Footer Placeholder 2">
-            <a:extLst>
-              <a:ext uri="{FF2B5EF4-FFF2-40B4-BE49-F238E27FC236}">
-                <a16:creationId xmlns:a16="http://schemas.microsoft.com/office/drawing/2014/main" id="{62048D93-9771-AD2E-843D-5CD990954A88}"/>
-              </a:ext>
-            </a:extLst>
-          </p:cNvPr>
+          <p:cNvPr id="8" name="Footer Placeholder 7"/>
           <p:cNvSpPr>
             <a:spLocks noGrp="1"/>
           </p:cNvSpPr>
@@ -2100,7 +2287,15 @@
         <p:spPr/>
         <p:txBody>
           <a:bodyPr/>
-          <a:lstStyle/>
+          <a:lstStyle>
+            <a:lvl1pPr>
+              <a:defRPr>
+                <a:solidFill>
+                  <a:srgbClr val="FFFFFF"/>
+                </a:solidFill>
+              </a:defRPr>
+            </a:lvl1pPr>
+          </a:lstStyle>
           <a:p>
             <a:endParaRPr lang="en-US"/>
           </a:p>
@@ -2108,13 +2303,7 @@
       </p:sp>
       <p:sp>
         <p:nvSpPr>
-          <p:cNvPr id="4" name="Slide Number Placeholder 3">
-            <a:extLst>
-              <a:ext uri="{FF2B5EF4-FFF2-40B4-BE49-F238E27FC236}">
-                <a16:creationId xmlns:a16="http://schemas.microsoft.com/office/drawing/2014/main" id="{8BB22BEE-555E-DA5B-8CE2-362C1D843250}"/>
-              </a:ext>
-            </a:extLst>
-          </p:cNvPr>
+          <p:cNvPr id="9" name="Slide Number Placeholder 8"/>
           <p:cNvSpPr>
             <a:spLocks noGrp="1"/>
           </p:cNvSpPr>
@@ -2138,7 +2327,7 @@
     </p:spTree>
     <p:extLst>
       <p:ext uri="{BB962C8B-B14F-4D97-AF65-F5344CB8AC3E}">
-        <p14:creationId xmlns:p14="http://schemas.microsoft.com/office/powerpoint/2010/main" val="3812216670"/>
+        <p14:creationId xmlns:p14="http://schemas.microsoft.com/office/powerpoint/2010/main" val="3620075764"/>
       </p:ext>
     </p:extLst>
   </p:cSld>
@@ -2149,7 +2338,7 @@
 </file>
 
 <file path=ppt/slideLayouts/slideLayout8.xml><?xml version="1.0" encoding="utf-8"?>
-<p:sldLayout xmlns:a="http://schemas.openxmlformats.org/drawingml/2006/main" xmlns:r="http://schemas.openxmlformats.org/officeDocument/2006/relationships" xmlns:p="http://schemas.openxmlformats.org/presentationml/2006/main" type="objTx" preserve="1">
+<p:sldLayout xmlns:a="http://schemas.openxmlformats.org/drawingml/2006/main" xmlns:r="http://schemas.openxmlformats.org/officeDocument/2006/relationships" xmlns:p="http://schemas.openxmlformats.org/presentationml/2006/main" showMasterSp="0" type="objTx" preserve="1">
   <p:cSld name="Content with Caption">
     <p:spTree>
       <p:nvGrpSpPr>
@@ -2167,31 +2356,107 @@
       </p:grpSpPr>
       <p:sp>
         <p:nvSpPr>
-          <p:cNvPr id="2" name="Title 1">
-            <a:extLst>
-              <a:ext uri="{FF2B5EF4-FFF2-40B4-BE49-F238E27FC236}">
-                <a16:creationId xmlns:a16="http://schemas.microsoft.com/office/drawing/2014/main" id="{B1E9B0B2-8AD7-139B-F78D-355FCCFB5C9F}"/>
-              </a:ext>
-            </a:extLst>
-          </p:cNvPr>
-          <p:cNvSpPr>
-            <a:spLocks noGrp="1"/>
-          </p:cNvSpPr>
-          <p:nvPr>
-            <p:ph type="title"/>
-          </p:nvPr>
+          <p:cNvPr id="8" name="Rectangle 7"/>
+          <p:cNvSpPr/>
+          <p:nvPr/>
         </p:nvSpPr>
         <p:spPr>
           <a:xfrm>
-            <a:off x="839788" y="457200"/>
-            <a:ext cx="3932237" cy="1600200"/>
+            <a:off x="16" y="0"/>
+            <a:ext cx="4050791" cy="6858000"/>
+          </a:xfrm>
+          <a:prstGeom prst="rect">
+            <a:avLst/>
+          </a:prstGeom>
+          <a:solidFill>
+            <a:schemeClr val="accent2"/>
+          </a:solidFill>
+          <a:ln>
+            <a:noFill/>
+          </a:ln>
+        </p:spPr>
+        <p:style>
+          <a:lnRef idx="2">
+            <a:schemeClr val="accent1">
+              <a:shade val="50000"/>
+            </a:schemeClr>
+          </a:lnRef>
+          <a:fillRef idx="1">
+            <a:schemeClr val="accent1"/>
+          </a:fillRef>
+          <a:effectRef idx="0">
+            <a:schemeClr val="accent1"/>
+          </a:effectRef>
+          <a:fontRef idx="minor">
+            <a:schemeClr val="lt1"/>
+          </a:fontRef>
+        </p:style>
+      </p:sp>
+      <p:sp>
+        <p:nvSpPr>
+          <p:cNvPr id="9" name="Rectangle 8"/>
+          <p:cNvSpPr/>
+          <p:nvPr/>
+        </p:nvSpPr>
+        <p:spPr>
+          <a:xfrm>
+            <a:off x="4040071" y="0"/>
+            <a:ext cx="64008" cy="6858000"/>
+          </a:xfrm>
+          <a:prstGeom prst="rect">
+            <a:avLst/>
+          </a:prstGeom>
+          <a:solidFill>
+            <a:schemeClr val="accent1"/>
+          </a:solidFill>
+          <a:ln>
+            <a:noFill/>
+          </a:ln>
+        </p:spPr>
+        <p:style>
+          <a:lnRef idx="2">
+            <a:schemeClr val="accent1">
+              <a:shade val="50000"/>
+            </a:schemeClr>
+          </a:lnRef>
+          <a:fillRef idx="1">
+            <a:schemeClr val="accent1"/>
+          </a:fillRef>
+          <a:effectRef idx="0">
+            <a:schemeClr val="accent1"/>
+          </a:effectRef>
+          <a:fontRef idx="minor">
+            <a:schemeClr val="lt1"/>
+          </a:fontRef>
+        </p:style>
+      </p:sp>
+      <p:sp>
+        <p:nvSpPr>
+          <p:cNvPr id="2" name="Title 1"/>
+          <p:cNvSpPr>
+            <a:spLocks noGrp="1"/>
+          </p:cNvSpPr>
+          <p:nvPr>
+            <p:ph type="title"/>
+          </p:nvPr>
+        </p:nvSpPr>
+        <p:spPr>
+          <a:xfrm>
+            <a:off x="457200" y="594359"/>
+            <a:ext cx="3200400" cy="2286000"/>
           </a:xfrm>
         </p:spPr>
         <p:txBody>
-          <a:bodyPr anchor="b"/>
+          <a:bodyPr anchor="b">
+            <a:normAutofit/>
+          </a:bodyPr>
           <a:lstStyle>
             <a:lvl1pPr>
-              <a:defRPr sz="3200"/>
+              <a:defRPr sz="3600" b="0">
+                <a:solidFill>
+                  <a:srgbClr val="FFFFFF"/>
+                </a:solidFill>
+              </a:defRPr>
             </a:lvl1pPr>
           </a:lstStyle>
           <a:p>
@@ -2199,18 +2464,13 @@
               <a:rPr lang="en-US"/>
               <a:t>Click to edit Master title style</a:t>
             </a:r>
-          </a:p>
-        </p:txBody>
-      </p:sp>
-      <p:sp>
-        <p:nvSpPr>
-          <p:cNvPr id="3" name="Content Placeholder 2">
-            <a:extLst>
-              <a:ext uri="{FF2B5EF4-FFF2-40B4-BE49-F238E27FC236}">
-                <a16:creationId xmlns:a16="http://schemas.microsoft.com/office/drawing/2014/main" id="{1187CD96-238D-2A5E-3F23-9908EE6E4F62}"/>
-              </a:ext>
-            </a:extLst>
-          </p:cNvPr>
+            <a:endParaRPr lang="en-US" dirty="0"/>
+          </a:p>
+        </p:txBody>
+      </p:sp>
+      <p:sp>
+        <p:nvSpPr>
+          <p:cNvPr id="3" name="Content Placeholder 2"/>
           <p:cNvSpPr>
             <a:spLocks noGrp="1"/>
           </p:cNvSpPr>
@@ -2220,39 +2480,111 @@
         </p:nvSpPr>
         <p:spPr>
           <a:xfrm>
-            <a:off x="5183188" y="987425"/>
-            <a:ext cx="6172200" cy="4873625"/>
+            <a:off x="4800600" y="731520"/>
+            <a:ext cx="6492240" cy="5257800"/>
           </a:xfrm>
         </p:spPr>
         <p:txBody>
           <a:bodyPr/>
+          <a:lstStyle/>
+          <a:p>
+            <a:pPr lvl="0"/>
+            <a:r>
+              <a:rPr lang="en-US"/>
+              <a:t>Click to edit Master text styles</a:t>
+            </a:r>
+          </a:p>
+          <a:p>
+            <a:pPr lvl="1"/>
+            <a:r>
+              <a:rPr lang="en-US"/>
+              <a:t>Second level</a:t>
+            </a:r>
+          </a:p>
+          <a:p>
+            <a:pPr lvl="2"/>
+            <a:r>
+              <a:rPr lang="en-US"/>
+              <a:t>Third level</a:t>
+            </a:r>
+          </a:p>
+          <a:p>
+            <a:pPr lvl="3"/>
+            <a:r>
+              <a:rPr lang="en-US"/>
+              <a:t>Fourth level</a:t>
+            </a:r>
+          </a:p>
+          <a:p>
+            <a:pPr lvl="4"/>
+            <a:r>
+              <a:rPr lang="en-US"/>
+              <a:t>Fifth level</a:t>
+            </a:r>
+            <a:endParaRPr lang="en-US" dirty="0"/>
+          </a:p>
+        </p:txBody>
+      </p:sp>
+      <p:sp>
+        <p:nvSpPr>
+          <p:cNvPr id="4" name="Text Placeholder 3"/>
+          <p:cNvSpPr>
+            <a:spLocks noGrp="1"/>
+          </p:cNvSpPr>
+          <p:nvPr>
+            <p:ph type="body" sz="half" idx="2"/>
+          </p:nvPr>
+        </p:nvSpPr>
+        <p:spPr>
+          <a:xfrm>
+            <a:off x="457200" y="2926080"/>
+            <a:ext cx="3200400" cy="3379124"/>
+          </a:xfrm>
+        </p:spPr>
+        <p:txBody>
+          <a:bodyPr lIns="91440" rIns="91440">
+            <a:normAutofit/>
+          </a:bodyPr>
           <a:lstStyle>
-            <a:lvl1pPr>
-              <a:defRPr sz="3200"/>
+            <a:lvl1pPr marL="0" indent="0">
+              <a:buNone/>
+              <a:defRPr sz="1500">
+                <a:solidFill>
+                  <a:srgbClr val="FFFFFF"/>
+                </a:solidFill>
+              </a:defRPr>
             </a:lvl1pPr>
-            <a:lvl2pPr>
-              <a:defRPr sz="2800"/>
+            <a:lvl2pPr marL="457200" indent="0">
+              <a:buNone/>
+              <a:defRPr sz="1200"/>
             </a:lvl2pPr>
-            <a:lvl3pPr>
-              <a:defRPr sz="2400"/>
+            <a:lvl3pPr marL="914400" indent="0">
+              <a:buNone/>
+              <a:defRPr sz="1000"/>
             </a:lvl3pPr>
-            <a:lvl4pPr>
-              <a:defRPr sz="2000"/>
+            <a:lvl4pPr marL="1371600" indent="0">
+              <a:buNone/>
+              <a:defRPr sz="900"/>
             </a:lvl4pPr>
-            <a:lvl5pPr>
-              <a:defRPr sz="2000"/>
+            <a:lvl5pPr marL="1828800" indent="0">
+              <a:buNone/>
+              <a:defRPr sz="900"/>
             </a:lvl5pPr>
-            <a:lvl6pPr>
-              <a:defRPr sz="2000"/>
+            <a:lvl6pPr marL="2286000" indent="0">
+              <a:buNone/>
+              <a:defRPr sz="900"/>
             </a:lvl6pPr>
-            <a:lvl7pPr>
-              <a:defRPr sz="2000"/>
+            <a:lvl7pPr marL="2743200" indent="0">
+              <a:buNone/>
+              <a:defRPr sz="900"/>
             </a:lvl7pPr>
-            <a:lvl8pPr>
-              <a:defRPr sz="2000"/>
+            <a:lvl8pPr marL="3200400" indent="0">
+              <a:buNone/>
+              <a:defRPr sz="900"/>
             </a:lvl8pPr>
-            <a:lvl9pPr>
-              <a:defRPr sz="2000"/>
+            <a:lvl9pPr marL="3657600" indent="0">
+              <a:buNone/>
+              <a:defRPr sz="900"/>
             </a:lvl9pPr>
           </a:lstStyle>
           <a:p>
@@ -2262,127 +2594,31 @@
               <a:t>Click to edit Master text styles</a:t>
             </a:r>
           </a:p>
-          <a:p>
-            <a:pPr lvl="1"/>
-            <a:r>
-              <a:rPr lang="en-US"/>
-              <a:t>Second level</a:t>
-            </a:r>
-          </a:p>
-          <a:p>
-            <a:pPr lvl="2"/>
-            <a:r>
-              <a:rPr lang="en-US"/>
-              <a:t>Third level</a:t>
-            </a:r>
-          </a:p>
-          <a:p>
-            <a:pPr lvl="3"/>
-            <a:r>
-              <a:rPr lang="en-US"/>
-              <a:t>Fourth level</a:t>
-            </a:r>
-          </a:p>
-          <a:p>
-            <a:pPr lvl="4"/>
-            <a:r>
-              <a:rPr lang="en-US"/>
-              <a:t>Fifth level</a:t>
-            </a:r>
-          </a:p>
-        </p:txBody>
-      </p:sp>
-      <p:sp>
-        <p:nvSpPr>
-          <p:cNvPr id="4" name="Text Placeholder 3">
-            <a:extLst>
-              <a:ext uri="{FF2B5EF4-FFF2-40B4-BE49-F238E27FC236}">
-                <a16:creationId xmlns:a16="http://schemas.microsoft.com/office/drawing/2014/main" id="{9468499E-C883-1D6B-A99B-1D6795725529}"/>
-              </a:ext>
-            </a:extLst>
-          </p:cNvPr>
-          <p:cNvSpPr>
-            <a:spLocks noGrp="1"/>
-          </p:cNvSpPr>
-          <p:nvPr>
-            <p:ph type="body" sz="half" idx="2"/>
+        </p:txBody>
+      </p:sp>
+      <p:sp>
+        <p:nvSpPr>
+          <p:cNvPr id="5" name="Date Placeholder 4"/>
+          <p:cNvSpPr>
+            <a:spLocks noGrp="1"/>
+          </p:cNvSpPr>
+          <p:nvPr>
+            <p:ph type="dt" sz="half" idx="10"/>
           </p:nvPr>
         </p:nvSpPr>
         <p:spPr>
           <a:xfrm>
-            <a:off x="839788" y="2057400"/>
-            <a:ext cx="3932237" cy="3811588"/>
+            <a:off x="465512" y="6459785"/>
+            <a:ext cx="2618510" cy="365125"/>
           </a:xfrm>
         </p:spPr>
         <p:txBody>
           <a:bodyPr/>
           <a:lstStyle>
-            <a:lvl1pPr marL="0" indent="0">
-              <a:buNone/>
-              <a:defRPr sz="1600"/>
+            <a:lvl1pPr algn="l">
+              <a:defRPr/>
             </a:lvl1pPr>
-            <a:lvl2pPr marL="457200" indent="0">
-              <a:buNone/>
-              <a:defRPr sz="1400"/>
-            </a:lvl2pPr>
-            <a:lvl3pPr marL="914400" indent="0">
-              <a:buNone/>
-              <a:defRPr sz="1200"/>
-            </a:lvl3pPr>
-            <a:lvl4pPr marL="1371600" indent="0">
-              <a:buNone/>
-              <a:defRPr sz="1000"/>
-            </a:lvl4pPr>
-            <a:lvl5pPr marL="1828800" indent="0">
-              <a:buNone/>
-              <a:defRPr sz="1000"/>
-            </a:lvl5pPr>
-            <a:lvl6pPr marL="2286000" indent="0">
-              <a:buNone/>
-              <a:defRPr sz="1000"/>
-            </a:lvl6pPr>
-            <a:lvl7pPr marL="2743200" indent="0">
-              <a:buNone/>
-              <a:defRPr sz="1000"/>
-            </a:lvl7pPr>
-            <a:lvl8pPr marL="3200400" indent="0">
-              <a:buNone/>
-              <a:defRPr sz="1000"/>
-            </a:lvl8pPr>
-            <a:lvl9pPr marL="3657600" indent="0">
-              <a:buNone/>
-              <a:defRPr sz="1000"/>
-            </a:lvl9pPr>
           </a:lstStyle>
-          <a:p>
-            <a:pPr lvl="0"/>
-            <a:r>
-              <a:rPr lang="en-US"/>
-              <a:t>Click to edit Master text styles</a:t>
-            </a:r>
-          </a:p>
-        </p:txBody>
-      </p:sp>
-      <p:sp>
-        <p:nvSpPr>
-          <p:cNvPr id="5" name="Date Placeholder 4">
-            <a:extLst>
-              <a:ext uri="{FF2B5EF4-FFF2-40B4-BE49-F238E27FC236}">
-                <a16:creationId xmlns:a16="http://schemas.microsoft.com/office/drawing/2014/main" id="{3D9EBDDD-95AE-1E47-602C-F52CD46760AD}"/>
-              </a:ext>
-            </a:extLst>
-          </p:cNvPr>
-          <p:cNvSpPr>
-            <a:spLocks noGrp="1"/>
-          </p:cNvSpPr>
-          <p:nvPr>
-            <p:ph type="dt" sz="half" idx="10"/>
-          </p:nvPr>
-        </p:nvSpPr>
-        <p:spPr/>
-        <p:txBody>
-          <a:bodyPr/>
-          <a:lstStyle/>
           <a:p>
             <a:fld id="{37D07939-0984-43A7-A4B3-DC2C93E3F6BF}" type="datetimeFigureOut">
               <a:rPr lang="en-US" smtClean="0"/>
@@ -2394,13 +2630,7 @@
       </p:sp>
       <p:sp>
         <p:nvSpPr>
-          <p:cNvPr id="6" name="Footer Placeholder 5">
-            <a:extLst>
-              <a:ext uri="{FF2B5EF4-FFF2-40B4-BE49-F238E27FC236}">
-                <a16:creationId xmlns:a16="http://schemas.microsoft.com/office/drawing/2014/main" id="{2426EA0A-E5FB-A977-FB70-E97663E10AA1}"/>
-              </a:ext>
-            </a:extLst>
-          </p:cNvPr>
+          <p:cNvPr id="6" name="Footer Placeholder 5"/>
           <p:cNvSpPr>
             <a:spLocks noGrp="1"/>
           </p:cNvSpPr>
@@ -2408,10 +2638,23 @@
             <p:ph type="ftr" sz="quarter" idx="11"/>
           </p:nvPr>
         </p:nvSpPr>
-        <p:spPr/>
-        <p:txBody>
-          <a:bodyPr/>
-          <a:lstStyle/>
+        <p:spPr>
+          <a:xfrm>
+            <a:off x="4800600" y="6459785"/>
+            <a:ext cx="4648200" cy="365125"/>
+          </a:xfrm>
+        </p:spPr>
+        <p:txBody>
+          <a:bodyPr/>
+          <a:lstStyle>
+            <a:lvl1pPr algn="l">
+              <a:defRPr>
+                <a:solidFill>
+                  <a:schemeClr val="tx2"/>
+                </a:solidFill>
+              </a:defRPr>
+            </a:lvl1pPr>
+          </a:lstStyle>
           <a:p>
             <a:endParaRPr lang="en-US"/>
           </a:p>
@@ -2419,13 +2662,7 @@
       </p:sp>
       <p:sp>
         <p:nvSpPr>
-          <p:cNvPr id="7" name="Slide Number Placeholder 6">
-            <a:extLst>
-              <a:ext uri="{FF2B5EF4-FFF2-40B4-BE49-F238E27FC236}">
-                <a16:creationId xmlns:a16="http://schemas.microsoft.com/office/drawing/2014/main" id="{614E64B6-0769-20A0-F687-201AD792670D}"/>
-              </a:ext>
-            </a:extLst>
-          </p:cNvPr>
+          <p:cNvPr id="7" name="Slide Number Placeholder 6"/>
           <p:cNvSpPr>
             <a:spLocks noGrp="1"/>
           </p:cNvSpPr>
@@ -2436,7 +2673,15 @@
         <p:spPr/>
         <p:txBody>
           <a:bodyPr/>
-          <a:lstStyle/>
+          <a:lstStyle>
+            <a:lvl1pPr>
+              <a:defRPr>
+                <a:solidFill>
+                  <a:schemeClr val="tx2"/>
+                </a:solidFill>
+              </a:defRPr>
+            </a:lvl1pPr>
+          </a:lstStyle>
           <a:p>
             <a:fld id="{C67A3CC3-5326-40BA-A8A8-163C38F8ADE5}" type="slidenum">
               <a:rPr lang="en-US" smtClean="0"/>
@@ -2449,7 +2694,7 @@
     </p:spTree>
     <p:extLst>
       <p:ext uri="{BB962C8B-B14F-4D97-AF65-F5344CB8AC3E}">
-        <p14:creationId xmlns:p14="http://schemas.microsoft.com/office/powerpoint/2010/main" val="973788735"/>
+        <p14:creationId xmlns:p14="http://schemas.microsoft.com/office/powerpoint/2010/main" val="536381539"/>
       </p:ext>
     </p:extLst>
   </p:cSld>
@@ -2460,7 +2705,7 @@
 </file>
 
 <file path=ppt/slideLayouts/slideLayout9.xml><?xml version="1.0" encoding="utf-8"?>
-<p:sldLayout xmlns:a="http://schemas.openxmlformats.org/drawingml/2006/main" xmlns:r="http://schemas.openxmlformats.org/officeDocument/2006/relationships" xmlns:p="http://schemas.openxmlformats.org/presentationml/2006/main" type="picTx" preserve="1">
+<p:sldLayout xmlns:a="http://schemas.openxmlformats.org/drawingml/2006/main" xmlns:r="http://schemas.openxmlformats.org/officeDocument/2006/relationships" xmlns:p="http://schemas.openxmlformats.org/presentationml/2006/main" showMasterSp="0" type="picTx" preserve="1">
   <p:cSld name="Picture with Caption">
     <p:spTree>
       <p:nvGrpSpPr>
@@ -2478,31 +2723,107 @@
       </p:grpSpPr>
       <p:sp>
         <p:nvSpPr>
-          <p:cNvPr id="2" name="Title 1">
-            <a:extLst>
-              <a:ext uri="{FF2B5EF4-FFF2-40B4-BE49-F238E27FC236}">
-                <a16:creationId xmlns:a16="http://schemas.microsoft.com/office/drawing/2014/main" id="{67CBBB82-6DA2-9AA6-3D8C-81DD4FE2FC09}"/>
-              </a:ext>
-            </a:extLst>
-          </p:cNvPr>
-          <p:cNvSpPr>
-            <a:spLocks noGrp="1"/>
-          </p:cNvSpPr>
-          <p:nvPr>
-            <p:ph type="title"/>
-          </p:nvPr>
+          <p:cNvPr id="8" name="Rectangle 7"/>
+          <p:cNvSpPr/>
+          <p:nvPr/>
         </p:nvSpPr>
         <p:spPr>
           <a:xfrm>
-            <a:off x="839788" y="457200"/>
-            <a:ext cx="3932237" cy="1600200"/>
+            <a:off x="0" y="4953000"/>
+            <a:ext cx="12188825" cy="1905000"/>
+          </a:xfrm>
+          <a:prstGeom prst="rect">
+            <a:avLst/>
+          </a:prstGeom>
+          <a:solidFill>
+            <a:schemeClr val="accent2"/>
+          </a:solidFill>
+          <a:ln>
+            <a:noFill/>
+          </a:ln>
+        </p:spPr>
+        <p:style>
+          <a:lnRef idx="2">
+            <a:schemeClr val="accent1">
+              <a:shade val="50000"/>
+            </a:schemeClr>
+          </a:lnRef>
+          <a:fillRef idx="1">
+            <a:schemeClr val="accent1"/>
+          </a:fillRef>
+          <a:effectRef idx="0">
+            <a:schemeClr val="accent1"/>
+          </a:effectRef>
+          <a:fontRef idx="minor">
+            <a:schemeClr val="lt1"/>
+          </a:fontRef>
+        </p:style>
+      </p:sp>
+      <p:sp>
+        <p:nvSpPr>
+          <p:cNvPr id="9" name="Rectangle 8"/>
+          <p:cNvSpPr/>
+          <p:nvPr/>
+        </p:nvSpPr>
+        <p:spPr>
+          <a:xfrm>
+            <a:off x="15" y="4915076"/>
+            <a:ext cx="12188825" cy="64008"/>
+          </a:xfrm>
+          <a:prstGeom prst="rect">
+            <a:avLst/>
+          </a:prstGeom>
+          <a:solidFill>
+            <a:schemeClr val="accent1"/>
+          </a:solidFill>
+          <a:ln>
+            <a:noFill/>
+          </a:ln>
+        </p:spPr>
+        <p:style>
+          <a:lnRef idx="2">
+            <a:schemeClr val="accent1">
+              <a:shade val="50000"/>
+            </a:schemeClr>
+          </a:lnRef>
+          <a:fillRef idx="1">
+            <a:schemeClr val="accent1"/>
+          </a:fillRef>
+          <a:effectRef idx="0">
+            <a:schemeClr val="accent1"/>
+          </a:effectRef>
+          <a:fontRef idx="minor">
+            <a:schemeClr val="lt1"/>
+          </a:fontRef>
+        </p:style>
+      </p:sp>
+      <p:sp>
+        <p:nvSpPr>
+          <p:cNvPr id="2" name="Title 1"/>
+          <p:cNvSpPr>
+            <a:spLocks noGrp="1"/>
+          </p:cNvSpPr>
+          <p:nvPr>
+            <p:ph type="title"/>
+          </p:nvPr>
+        </p:nvSpPr>
+        <p:spPr>
+          <a:xfrm>
+            <a:off x="1097280" y="5074920"/>
+            <a:ext cx="10113264" cy="822960"/>
           </a:xfrm>
         </p:spPr>
         <p:txBody>
-          <a:bodyPr anchor="b"/>
+          <a:bodyPr lIns="91440" tIns="0" rIns="91440" bIns="0" anchor="b">
+            <a:noAutofit/>
+          </a:bodyPr>
           <a:lstStyle>
             <a:lvl1pPr>
-              <a:defRPr sz="3200"/>
+              <a:defRPr sz="3600" b="0">
+                <a:solidFill>
+                  <a:srgbClr val="FFFFFF"/>
+                </a:solidFill>
+              </a:defRPr>
             </a:lvl1pPr>
           </a:lstStyle>
           <a:p>
@@ -2510,20 +2831,15 @@
               <a:rPr lang="en-US"/>
               <a:t>Click to edit Master title style</a:t>
             </a:r>
-          </a:p>
-        </p:txBody>
-      </p:sp>
-      <p:sp>
-        <p:nvSpPr>
-          <p:cNvPr id="3" name="Picture Placeholder 2">
-            <a:extLst>
-              <a:ext uri="{FF2B5EF4-FFF2-40B4-BE49-F238E27FC236}">
-                <a16:creationId xmlns:a16="http://schemas.microsoft.com/office/drawing/2014/main" id="{9B6C2ACB-AA02-7533-8010-8FDF162981E2}"/>
-              </a:ext>
-            </a:extLst>
-          </p:cNvPr>
-          <p:cNvSpPr>
-            <a:spLocks noGrp="1"/>
+            <a:endParaRPr lang="en-US" dirty="0"/>
+          </a:p>
+        </p:txBody>
+      </p:sp>
+      <p:sp>
+        <p:nvSpPr>
+          <p:cNvPr id="3" name="Picture Placeholder 2"/>
+          <p:cNvSpPr>
+            <a:spLocks noGrp="1" noChangeAspect="1"/>
           </p:cNvSpPr>
           <p:nvPr>
             <p:ph type="pic" idx="1"/>
@@ -2531,16 +2847,26 @@
         </p:nvSpPr>
         <p:spPr>
           <a:xfrm>
-            <a:off x="5183188" y="987425"/>
-            <a:ext cx="6172200" cy="4873625"/>
+            <a:off x="15" y="0"/>
+            <a:ext cx="12191985" cy="4915076"/>
           </a:xfrm>
+          <a:blipFill>
+            <a:blip r:embed="rId2"/>
+            <a:stretch>
+              <a:fillRect/>
+            </a:stretch>
+          </a:blipFill>
         </p:spPr>
         <p:txBody>
-          <a:bodyPr/>
+          <a:bodyPr lIns="457200" tIns="457200" anchor="t"/>
           <a:lstStyle>
             <a:lvl1pPr marL="0" indent="0">
               <a:buNone/>
-              <a:defRPr sz="3200"/>
+              <a:defRPr sz="3200">
+                <a:solidFill>
+                  <a:schemeClr val="bg1"/>
+                </a:solidFill>
+              </a:defRPr>
             </a:lvl1pPr>
             <a:lvl2pPr marL="457200" indent="0">
               <a:buNone/>
@@ -2576,19 +2902,17 @@
             </a:lvl9pPr>
           </a:lstStyle>
           <a:p>
-            <a:endParaRPr lang="en-US"/>
-          </a:p>
-        </p:txBody>
-      </p:sp>
-      <p:sp>
-        <p:nvSpPr>
-          <p:cNvPr id="4" name="Text Placeholder 3">
-            <a:extLst>
-              <a:ext uri="{FF2B5EF4-FFF2-40B4-BE49-F238E27FC236}">
-                <a16:creationId xmlns:a16="http://schemas.microsoft.com/office/drawing/2014/main" id="{DE3A865A-6096-690C-1192-7F6D1C45F20C}"/>
-              </a:ext>
-            </a:extLst>
-          </p:cNvPr>
+            <a:r>
+              <a:rPr lang="en-US"/>
+              <a:t>Click icon to add picture</a:t>
+            </a:r>
+            <a:endParaRPr lang="en-US" dirty="0"/>
+          </a:p>
+        </p:txBody>
+      </p:sp>
+      <p:sp>
+        <p:nvSpPr>
+          <p:cNvPr id="4" name="Text Placeholder 3"/>
           <p:cNvSpPr>
             <a:spLocks noGrp="1"/>
           </p:cNvSpPr>
@@ -2598,48 +2922,60 @@
         </p:nvSpPr>
         <p:spPr>
           <a:xfrm>
-            <a:off x="839788" y="2057400"/>
-            <a:ext cx="3932237" cy="3811588"/>
+            <a:off x="1097280" y="5907023"/>
+            <a:ext cx="10113264" cy="594360"/>
           </a:xfrm>
         </p:spPr>
         <p:txBody>
-          <a:bodyPr/>
+          <a:bodyPr lIns="91440" tIns="0" rIns="91440" bIns="0">
+            <a:normAutofit/>
+          </a:bodyPr>
           <a:lstStyle>
             <a:lvl1pPr marL="0" indent="0">
-              <a:buNone/>
-              <a:defRPr sz="1600"/>
+              <a:spcBef>
+                <a:spcPts val="0"/>
+              </a:spcBef>
+              <a:spcAft>
+                <a:spcPts val="600"/>
+              </a:spcAft>
+              <a:buNone/>
+              <a:defRPr sz="1500">
+                <a:solidFill>
+                  <a:srgbClr val="FFFFFF"/>
+                </a:solidFill>
+              </a:defRPr>
             </a:lvl1pPr>
             <a:lvl2pPr marL="457200" indent="0">
               <a:buNone/>
-              <a:defRPr sz="1400"/>
+              <a:defRPr sz="1200"/>
             </a:lvl2pPr>
             <a:lvl3pPr marL="914400" indent="0">
               <a:buNone/>
-              <a:defRPr sz="1200"/>
+              <a:defRPr sz="1000"/>
             </a:lvl3pPr>
             <a:lvl4pPr marL="1371600" indent="0">
               <a:buNone/>
-              <a:defRPr sz="1000"/>
+              <a:defRPr sz="900"/>
             </a:lvl4pPr>
             <a:lvl5pPr marL="1828800" indent="0">
               <a:buNone/>
-              <a:defRPr sz="1000"/>
+              <a:defRPr sz="900"/>
             </a:lvl5pPr>
             <a:lvl6pPr marL="2286000" indent="0">
               <a:buNone/>
-              <a:defRPr sz="1000"/>
+              <a:defRPr sz="900"/>
             </a:lvl6pPr>
             <a:lvl7pPr marL="2743200" indent="0">
               <a:buNone/>
-              <a:defRPr sz="1000"/>
+              <a:defRPr sz="900"/>
             </a:lvl7pPr>
             <a:lvl8pPr marL="3200400" indent="0">
               <a:buNone/>
-              <a:defRPr sz="1000"/>
+              <a:defRPr sz="900"/>
             </a:lvl8pPr>
             <a:lvl9pPr marL="3657600" indent="0">
               <a:buNone/>
-              <a:defRPr sz="1000"/>
+              <a:defRPr sz="900"/>
             </a:lvl9pPr>
           </a:lstStyle>
           <a:p>
@@ -2653,13 +2989,7 @@
       </p:sp>
       <p:sp>
         <p:nvSpPr>
-          <p:cNvPr id="5" name="Date Placeholder 4">
-            <a:extLst>
-              <a:ext uri="{FF2B5EF4-FFF2-40B4-BE49-F238E27FC236}">
-                <a16:creationId xmlns:a16="http://schemas.microsoft.com/office/drawing/2014/main" id="{B692F6AD-062C-CB56-9DB0-8CA805FFE1EA}"/>
-              </a:ext>
-            </a:extLst>
-          </p:cNvPr>
+          <p:cNvPr id="5" name="Date Placeholder 4"/>
           <p:cNvSpPr>
             <a:spLocks noGrp="1"/>
           </p:cNvSpPr>
@@ -2682,13 +3012,7 @@
       </p:sp>
       <p:sp>
         <p:nvSpPr>
-          <p:cNvPr id="6" name="Footer Placeholder 5">
-            <a:extLst>
-              <a:ext uri="{FF2B5EF4-FFF2-40B4-BE49-F238E27FC236}">
-                <a16:creationId xmlns:a16="http://schemas.microsoft.com/office/drawing/2014/main" id="{8DD485AD-C179-1614-BE02-DAE1C8A841BD}"/>
-              </a:ext>
-            </a:extLst>
-          </p:cNvPr>
+          <p:cNvPr id="6" name="Footer Placeholder 5"/>
           <p:cNvSpPr>
             <a:spLocks noGrp="1"/>
           </p:cNvSpPr>
@@ -2707,13 +3031,7 @@
       </p:sp>
       <p:sp>
         <p:nvSpPr>
-          <p:cNvPr id="7" name="Slide Number Placeholder 6">
-            <a:extLst>
-              <a:ext uri="{FF2B5EF4-FFF2-40B4-BE49-F238E27FC236}">
-                <a16:creationId xmlns:a16="http://schemas.microsoft.com/office/drawing/2014/main" id="{413AB5B4-92A8-8CF3-4538-98B7733D9477}"/>
-              </a:ext>
-            </a:extLst>
-          </p:cNvPr>
+          <p:cNvPr id="7" name="Slide Number Placeholder 6"/>
           <p:cNvSpPr>
             <a:spLocks noGrp="1"/>
           </p:cNvSpPr>
@@ -2737,7 +3055,7 @@
     </p:spTree>
     <p:extLst>
       <p:ext uri="{BB962C8B-B14F-4D97-AF65-F5344CB8AC3E}">
-        <p14:creationId xmlns:p14="http://schemas.microsoft.com/office/powerpoint/2010/main" val="2040609233"/>
+        <p14:creationId xmlns:p14="http://schemas.microsoft.com/office/powerpoint/2010/main" val="852626116"/>
       </p:ext>
     </p:extLst>
   </p:cSld>
@@ -2771,31 +3089,101 @@
       </p:grpSpPr>
       <p:sp>
         <p:nvSpPr>
-          <p:cNvPr id="2" name="Title Placeholder 1">
-            <a:extLst>
-              <a:ext uri="{FF2B5EF4-FFF2-40B4-BE49-F238E27FC236}">
-                <a16:creationId xmlns:a16="http://schemas.microsoft.com/office/drawing/2014/main" id="{AE3EEBAD-1C64-F651-D1BB-C1864FEE892B}"/>
-              </a:ext>
-            </a:extLst>
-          </p:cNvPr>
-          <p:cNvSpPr>
-            <a:spLocks noGrp="1"/>
-          </p:cNvSpPr>
-          <p:nvPr>
-            <p:ph type="title"/>
-          </p:nvPr>
+          <p:cNvPr id="7" name="Rectangle 6"/>
+          <p:cNvSpPr/>
+          <p:nvPr/>
         </p:nvSpPr>
         <p:spPr>
           <a:xfrm>
-            <a:off x="838200" y="365125"/>
-            <a:ext cx="10515600" cy="1325563"/>
+            <a:off x="1" y="6400800"/>
+            <a:ext cx="12192000" cy="457200"/>
+          </a:xfrm>
+          <a:prstGeom prst="rect">
+            <a:avLst/>
+          </a:prstGeom>
+          <a:solidFill>
+            <a:schemeClr val="accent2"/>
+          </a:solidFill>
+          <a:ln>
+            <a:noFill/>
+          </a:ln>
+        </p:spPr>
+        <p:style>
+          <a:lnRef idx="2">
+            <a:schemeClr val="accent1">
+              <a:shade val="50000"/>
+            </a:schemeClr>
+          </a:lnRef>
+          <a:fillRef idx="1">
+            <a:schemeClr val="accent1"/>
+          </a:fillRef>
+          <a:effectRef idx="0">
+            <a:schemeClr val="accent1"/>
+          </a:effectRef>
+          <a:fontRef idx="minor">
+            <a:schemeClr val="lt1"/>
+          </a:fontRef>
+        </p:style>
+      </p:sp>
+      <p:sp>
+        <p:nvSpPr>
+          <p:cNvPr id="9" name="Rectangle 8"/>
+          <p:cNvSpPr/>
+          <p:nvPr/>
+        </p:nvSpPr>
+        <p:spPr>
+          <a:xfrm>
+            <a:off x="0" y="6334316"/>
+            <a:ext cx="12192001" cy="65998"/>
+          </a:xfrm>
+          <a:prstGeom prst="rect">
+            <a:avLst/>
+          </a:prstGeom>
+          <a:solidFill>
+            <a:schemeClr val="accent1"/>
+          </a:solidFill>
+          <a:ln>
+            <a:noFill/>
+          </a:ln>
+        </p:spPr>
+        <p:style>
+          <a:lnRef idx="2">
+            <a:schemeClr val="accent1">
+              <a:shade val="50000"/>
+            </a:schemeClr>
+          </a:lnRef>
+          <a:fillRef idx="1">
+            <a:schemeClr val="accent1"/>
+          </a:fillRef>
+          <a:effectRef idx="0">
+            <a:schemeClr val="accent1"/>
+          </a:effectRef>
+          <a:fontRef idx="minor">
+            <a:schemeClr val="lt1"/>
+          </a:fontRef>
+        </p:style>
+      </p:sp>
+      <p:sp>
+        <p:nvSpPr>
+          <p:cNvPr id="2" name="Title Placeholder 1"/>
+          <p:cNvSpPr>
+            <a:spLocks noGrp="1"/>
+          </p:cNvSpPr>
+          <p:nvPr>
+            <p:ph type="title"/>
+          </p:nvPr>
+        </p:nvSpPr>
+        <p:spPr>
+          <a:xfrm>
+            <a:off x="1097280" y="286603"/>
+            <a:ext cx="10058400" cy="1450757"/>
           </a:xfrm>
           <a:prstGeom prst="rect">
             <a:avLst/>
           </a:prstGeom>
         </p:spPr>
         <p:txBody>
-          <a:bodyPr vert="horz" lIns="91440" tIns="45720" rIns="91440" bIns="45720" rtlCol="0" anchor="ctr">
+          <a:bodyPr vert="horz" lIns="91440" tIns="45720" rIns="91440" bIns="45720" rtlCol="0" anchor="b">
             <a:normAutofit/>
           </a:bodyPr>
           <a:lstStyle/>
@@ -2804,18 +3192,13 @@
               <a:rPr lang="en-US"/>
               <a:t>Click to edit Master title style</a:t>
             </a:r>
-          </a:p>
-        </p:txBody>
-      </p:sp>
-      <p:sp>
-        <p:nvSpPr>
-          <p:cNvPr id="3" name="Text Placeholder 2">
-            <a:extLst>
-              <a:ext uri="{FF2B5EF4-FFF2-40B4-BE49-F238E27FC236}">
-                <a16:creationId xmlns:a16="http://schemas.microsoft.com/office/drawing/2014/main" id="{C5411B58-31D9-668E-6EFF-9877D7EA0E8A}"/>
-              </a:ext>
-            </a:extLst>
-          </p:cNvPr>
+            <a:endParaRPr lang="en-US" dirty="0"/>
+          </a:p>
+        </p:txBody>
+      </p:sp>
+      <p:sp>
+        <p:nvSpPr>
+          <p:cNvPr id="3" name="Text Placeholder 2"/>
           <p:cNvSpPr>
             <a:spLocks noGrp="1"/>
           </p:cNvSpPr>
@@ -2825,15 +3208,15 @@
         </p:nvSpPr>
         <p:spPr>
           <a:xfrm>
-            <a:off x="838200" y="1825625"/>
-            <a:ext cx="10515600" cy="4351338"/>
+            <a:off x="1097280" y="1845734"/>
+            <a:ext cx="10058400" cy="4023360"/>
           </a:xfrm>
           <a:prstGeom prst="rect">
             <a:avLst/>
           </a:prstGeom>
         </p:spPr>
         <p:txBody>
-          <a:bodyPr vert="horz" lIns="91440" tIns="45720" rIns="91440" bIns="45720" rtlCol="0">
+          <a:bodyPr vert="horz" lIns="0" tIns="45720" rIns="0" bIns="45720" rtlCol="0">
             <a:normAutofit/>
           </a:bodyPr>
           <a:lstStyle/>
@@ -2871,18 +3254,13 @@
               <a:rPr lang="en-US"/>
               <a:t>Fifth level</a:t>
             </a:r>
-          </a:p>
-        </p:txBody>
-      </p:sp>
-      <p:sp>
-        <p:nvSpPr>
-          <p:cNvPr id="4" name="Date Placeholder 3">
-            <a:extLst>
-              <a:ext uri="{FF2B5EF4-FFF2-40B4-BE49-F238E27FC236}">
-                <a16:creationId xmlns:a16="http://schemas.microsoft.com/office/drawing/2014/main" id="{CA5389D2-0EB7-7853-5E22-CFCAA5462577}"/>
-              </a:ext>
-            </a:extLst>
-          </p:cNvPr>
+            <a:endParaRPr lang="en-US" dirty="0"/>
+          </a:p>
+        </p:txBody>
+      </p:sp>
+      <p:sp>
+        <p:nvSpPr>
+          <p:cNvPr id="4" name="Date Placeholder 3"/>
           <p:cNvSpPr>
             <a:spLocks noGrp="1"/>
           </p:cNvSpPr>
@@ -2892,8 +3270,8 @@
         </p:nvSpPr>
         <p:spPr>
           <a:xfrm>
-            <a:off x="838200" y="6356350"/>
-            <a:ext cx="2743200" cy="365125"/>
+            <a:off x="1097280" y="6459785"/>
+            <a:ext cx="2472271" cy="365125"/>
           </a:xfrm>
           <a:prstGeom prst="rect">
             <a:avLst/>
@@ -2903,11 +3281,9 @@
           <a:bodyPr vert="horz" lIns="91440" tIns="45720" rIns="91440" bIns="45720" rtlCol="0" anchor="ctr"/>
           <a:lstStyle>
             <a:lvl1pPr algn="l">
-              <a:defRPr sz="1200">
+              <a:defRPr sz="900">
                 <a:solidFill>
-                  <a:schemeClr val="tx1">
-                    <a:tint val="75000"/>
-                  </a:schemeClr>
+                  <a:srgbClr val="FFFFFF"/>
                 </a:solidFill>
               </a:defRPr>
             </a:lvl1pPr>
@@ -2923,13 +3299,7 @@
       </p:sp>
       <p:sp>
         <p:nvSpPr>
-          <p:cNvPr id="5" name="Footer Placeholder 4">
-            <a:extLst>
-              <a:ext uri="{FF2B5EF4-FFF2-40B4-BE49-F238E27FC236}">
-                <a16:creationId xmlns:a16="http://schemas.microsoft.com/office/drawing/2014/main" id="{8BCF86F8-68CA-AA7B-0069-7805956906AB}"/>
-              </a:ext>
-            </a:extLst>
-          </p:cNvPr>
+          <p:cNvPr id="5" name="Footer Placeholder 4"/>
           <p:cNvSpPr>
             <a:spLocks noGrp="1"/>
           </p:cNvSpPr>
@@ -2939,8 +3309,8 @@
         </p:nvSpPr>
         <p:spPr>
           <a:xfrm>
-            <a:off x="4038600" y="6356350"/>
-            <a:ext cx="4114800" cy="365125"/>
+            <a:off x="3686185" y="6459785"/>
+            <a:ext cx="4822804" cy="365125"/>
           </a:xfrm>
           <a:prstGeom prst="rect">
             <a:avLst/>
@@ -2950,11 +3320,9 @@
           <a:bodyPr vert="horz" lIns="91440" tIns="45720" rIns="91440" bIns="45720" rtlCol="0" anchor="ctr"/>
           <a:lstStyle>
             <a:lvl1pPr algn="ctr">
-              <a:defRPr sz="1200">
+              <a:defRPr sz="900" cap="all" baseline="0">
                 <a:solidFill>
-                  <a:schemeClr val="tx1">
-                    <a:tint val="75000"/>
-                  </a:schemeClr>
+                  <a:srgbClr val="FFFFFF"/>
                 </a:solidFill>
               </a:defRPr>
             </a:lvl1pPr>
@@ -2966,13 +3334,7 @@
       </p:sp>
       <p:sp>
         <p:nvSpPr>
-          <p:cNvPr id="6" name="Slide Number Placeholder 5">
-            <a:extLst>
-              <a:ext uri="{FF2B5EF4-FFF2-40B4-BE49-F238E27FC236}">
-                <a16:creationId xmlns:a16="http://schemas.microsoft.com/office/drawing/2014/main" id="{545D9913-CFCA-13C0-0C3D-D9792611BEE4}"/>
-              </a:ext>
-            </a:extLst>
-          </p:cNvPr>
+          <p:cNvPr id="6" name="Slide Number Placeholder 5"/>
           <p:cNvSpPr>
             <a:spLocks noGrp="1"/>
           </p:cNvSpPr>
@@ -2982,8 +3344,8 @@
         </p:nvSpPr>
         <p:spPr>
           <a:xfrm>
-            <a:off x="8610600" y="6356350"/>
-            <a:ext cx="2743200" cy="365125"/>
+            <a:off x="9900458" y="6459785"/>
+            <a:ext cx="1312025" cy="365125"/>
           </a:xfrm>
           <a:prstGeom prst="rect">
             <a:avLst/>
@@ -2993,11 +3355,9 @@
           <a:bodyPr vert="horz" lIns="91440" tIns="45720" rIns="91440" bIns="45720" rtlCol="0" anchor="ctr"/>
           <a:lstStyle>
             <a:lvl1pPr algn="r">
-              <a:defRPr sz="1200">
+              <a:defRPr sz="1050">
                 <a:solidFill>
-                  <a:schemeClr val="tx1">
-                    <a:tint val="75000"/>
-                  </a:schemeClr>
+                  <a:srgbClr val="FFFFFF"/>
                 </a:solidFill>
               </a:defRPr>
             </a:lvl1pPr>
@@ -3011,40 +3371,81 @@
           </a:p>
         </p:txBody>
       </p:sp>
+      <p:cxnSp>
+        <p:nvCxnSpPr>
+          <p:cNvPr id="10" name="Straight Connector 9"/>
+          <p:cNvCxnSpPr/>
+          <p:nvPr/>
+        </p:nvCxnSpPr>
+        <p:spPr>
+          <a:xfrm>
+            <a:off x="1193532" y="1737845"/>
+            <a:ext cx="9966960" cy="0"/>
+          </a:xfrm>
+          <a:prstGeom prst="line">
+            <a:avLst/>
+          </a:prstGeom>
+          <a:ln w="6350">
+            <a:solidFill>
+              <a:schemeClr val="tx1">
+                <a:lumMod val="50000"/>
+                <a:lumOff val="50000"/>
+              </a:schemeClr>
+            </a:solidFill>
+          </a:ln>
+        </p:spPr>
+        <p:style>
+          <a:lnRef idx="1">
+            <a:schemeClr val="accent1"/>
+          </a:lnRef>
+          <a:fillRef idx="0">
+            <a:schemeClr val="accent1"/>
+          </a:fillRef>
+          <a:effectRef idx="0">
+            <a:schemeClr val="accent1"/>
+          </a:effectRef>
+          <a:fontRef idx="minor">
+            <a:schemeClr val="tx1"/>
+          </a:fontRef>
+        </p:style>
+      </p:cxnSp>
     </p:spTree>
     <p:extLst>
       <p:ext uri="{BB962C8B-B14F-4D97-AF65-F5344CB8AC3E}">
-        <p14:creationId xmlns:p14="http://schemas.microsoft.com/office/powerpoint/2010/main" val="413833799"/>
+        <p14:creationId xmlns:p14="http://schemas.microsoft.com/office/powerpoint/2010/main" val="2387591367"/>
       </p:ext>
     </p:extLst>
   </p:cSld>
   <p:clrMap bg1="lt1" tx1="dk1" bg2="lt2" tx2="dk2" accent1="accent1" accent2="accent2" accent3="accent3" accent4="accent4" accent5="accent5" accent6="accent6" hlink="hlink" folHlink="folHlink"/>
   <p:sldLayoutIdLst>
-    <p:sldLayoutId id="2147483649" r:id="rId1"/>
-    <p:sldLayoutId id="2147483650" r:id="rId2"/>
-    <p:sldLayoutId id="2147483651" r:id="rId3"/>
-    <p:sldLayoutId id="2147483652" r:id="rId4"/>
-    <p:sldLayoutId id="2147483653" r:id="rId5"/>
-    <p:sldLayoutId id="2147483654" r:id="rId6"/>
-    <p:sldLayoutId id="2147483655" r:id="rId7"/>
-    <p:sldLayoutId id="2147483656" r:id="rId8"/>
-    <p:sldLayoutId id="2147483657" r:id="rId9"/>
-    <p:sldLayoutId id="2147483658" r:id="rId10"/>
-    <p:sldLayoutId id="2147483659" r:id="rId11"/>
+    <p:sldLayoutId id="2147483661" r:id="rId1"/>
+    <p:sldLayoutId id="2147483662" r:id="rId2"/>
+    <p:sldLayoutId id="2147483663" r:id="rId3"/>
+    <p:sldLayoutId id="2147483664" r:id="rId4"/>
+    <p:sldLayoutId id="2147483665" r:id="rId5"/>
+    <p:sldLayoutId id="2147483666" r:id="rId6"/>
+    <p:sldLayoutId id="2147483667" r:id="rId7"/>
+    <p:sldLayoutId id="2147483668" r:id="rId8"/>
+    <p:sldLayoutId id="2147483669" r:id="rId9"/>
+    <p:sldLayoutId id="2147483670" r:id="rId10"/>
+    <p:sldLayoutId id="2147483671" r:id="rId11"/>
   </p:sldLayoutIdLst>
   <p:txStyles>
     <p:titleStyle>
       <a:lvl1pPr algn="l" defTabSz="914400" rtl="0" eaLnBrk="1" latinLnBrk="0" hangingPunct="1">
         <a:lnSpc>
-          <a:spcPct val="90000"/>
+          <a:spcPct val="85000"/>
         </a:lnSpc>
         <a:spcBef>
           <a:spcPct val="0"/>
         </a:spcBef>
         <a:buNone/>
-        <a:defRPr sz="4400" kern="1200">
+        <a:defRPr sz="4800" kern="1200" spc="-50" baseline="0">
           <a:solidFill>
-            <a:schemeClr val="tx1"/>
+            <a:schemeClr val="tx1">
+              <a:lumMod val="75000"/>
+              <a:lumOff val="25000"/>
+            </a:schemeClr>
           </a:solidFill>
           <a:latin typeface="+mj-lt"/>
           <a:ea typeface="+mj-ea"/>
@@ -3053,162 +3454,244 @@
       </a:lvl1pPr>
     </p:titleStyle>
     <p:bodyStyle>
-      <a:lvl1pPr marL="228600" indent="-228600" algn="l" defTabSz="914400" rtl="0" eaLnBrk="1" latinLnBrk="0" hangingPunct="1">
+      <a:lvl1pPr marL="91440" indent="-91440" algn="l" defTabSz="914400" rtl="0" eaLnBrk="1" latinLnBrk="0" hangingPunct="1">
         <a:lnSpc>
           <a:spcPct val="90000"/>
         </a:lnSpc>
         <a:spcBef>
-          <a:spcPts val="1000"/>
+          <a:spcPts val="1200"/>
         </a:spcBef>
-        <a:buFont typeface="Arial" panose="020B0604020202020204" pitchFamily="34" charset="0"/>
-        <a:buChar char="•"/>
-        <a:defRPr sz="2800" kern="1200">
+        <a:spcAft>
+          <a:spcPts val="200"/>
+        </a:spcAft>
+        <a:buClr>
+          <a:schemeClr val="accent1"/>
+        </a:buClr>
+        <a:buSzPct val="100000"/>
+        <a:buFont typeface="Calibri" panose="020F0502020204030204" pitchFamily="34" charset="0"/>
+        <a:buChar char=" "/>
+        <a:defRPr sz="2000" kern="1200">
           <a:solidFill>
-            <a:schemeClr val="tx1"/>
+            <a:schemeClr val="tx1">
+              <a:lumMod val="75000"/>
+              <a:lumOff val="25000"/>
+            </a:schemeClr>
           </a:solidFill>
           <a:latin typeface="+mn-lt"/>
           <a:ea typeface="+mn-ea"/>
           <a:cs typeface="+mn-cs"/>
         </a:defRPr>
       </a:lvl1pPr>
-      <a:lvl2pPr marL="685800" indent="-228600" algn="l" defTabSz="914400" rtl="0" eaLnBrk="1" latinLnBrk="0" hangingPunct="1">
+      <a:lvl2pPr marL="384048" indent="-182880" algn="l" defTabSz="914400" rtl="0" eaLnBrk="1" latinLnBrk="0" hangingPunct="1">
         <a:lnSpc>
           <a:spcPct val="90000"/>
         </a:lnSpc>
         <a:spcBef>
-          <a:spcPts val="500"/>
+          <a:spcPts val="200"/>
         </a:spcBef>
-        <a:buFont typeface="Arial" panose="020B0604020202020204" pitchFamily="34" charset="0"/>
-        <a:buChar char="•"/>
-        <a:defRPr sz="2400" kern="1200">
+        <a:spcAft>
+          <a:spcPts val="400"/>
+        </a:spcAft>
+        <a:buClr>
+          <a:schemeClr val="accent1"/>
+        </a:buClr>
+        <a:buFont typeface="Calibri" pitchFamily="34" charset="0"/>
+        <a:buChar char="◦"/>
+        <a:defRPr sz="1800" kern="1200">
           <a:solidFill>
-            <a:schemeClr val="tx1"/>
+            <a:schemeClr val="tx1">
+              <a:lumMod val="75000"/>
+              <a:lumOff val="25000"/>
+            </a:schemeClr>
           </a:solidFill>
           <a:latin typeface="+mn-lt"/>
           <a:ea typeface="+mn-ea"/>
           <a:cs typeface="+mn-cs"/>
         </a:defRPr>
       </a:lvl2pPr>
-      <a:lvl3pPr marL="1143000" indent="-228600" algn="l" defTabSz="914400" rtl="0" eaLnBrk="1" latinLnBrk="0" hangingPunct="1">
+      <a:lvl3pPr marL="566928" indent="-182880" algn="l" defTabSz="914400" rtl="0" eaLnBrk="1" latinLnBrk="0" hangingPunct="1">
         <a:lnSpc>
           <a:spcPct val="90000"/>
         </a:lnSpc>
         <a:spcBef>
-          <a:spcPts val="500"/>
+          <a:spcPts val="200"/>
         </a:spcBef>
-        <a:buFont typeface="Arial" panose="020B0604020202020204" pitchFamily="34" charset="0"/>
-        <a:buChar char="•"/>
-        <a:defRPr sz="2000" kern="1200">
+        <a:spcAft>
+          <a:spcPts val="400"/>
+        </a:spcAft>
+        <a:buClr>
+          <a:schemeClr val="accent1"/>
+        </a:buClr>
+        <a:buFont typeface="Calibri" pitchFamily="34" charset="0"/>
+        <a:buChar char="◦"/>
+        <a:defRPr sz="1400" kern="1200">
           <a:solidFill>
-            <a:schemeClr val="tx1"/>
+            <a:schemeClr val="tx1">
+              <a:lumMod val="75000"/>
+              <a:lumOff val="25000"/>
+            </a:schemeClr>
           </a:solidFill>
           <a:latin typeface="+mn-lt"/>
           <a:ea typeface="+mn-ea"/>
           <a:cs typeface="+mn-cs"/>
         </a:defRPr>
       </a:lvl3pPr>
-      <a:lvl4pPr marL="1600200" indent="-228600" algn="l" defTabSz="914400" rtl="0" eaLnBrk="1" latinLnBrk="0" hangingPunct="1">
+      <a:lvl4pPr marL="749808" indent="-182880" algn="l" defTabSz="914400" rtl="0" eaLnBrk="1" latinLnBrk="0" hangingPunct="1">
         <a:lnSpc>
           <a:spcPct val="90000"/>
         </a:lnSpc>
         <a:spcBef>
-          <a:spcPts val="500"/>
+          <a:spcPts val="200"/>
         </a:spcBef>
-        <a:buFont typeface="Arial" panose="020B0604020202020204" pitchFamily="34" charset="0"/>
-        <a:buChar char="•"/>
-        <a:defRPr sz="1800" kern="1200">
+        <a:spcAft>
+          <a:spcPts val="400"/>
+        </a:spcAft>
+        <a:buClr>
+          <a:schemeClr val="accent1"/>
+        </a:buClr>
+        <a:buFont typeface="Calibri" pitchFamily="34" charset="0"/>
+        <a:buChar char="◦"/>
+        <a:defRPr sz="1400" kern="1200">
           <a:solidFill>
-            <a:schemeClr val="tx1"/>
+            <a:schemeClr val="tx1">
+              <a:lumMod val="75000"/>
+              <a:lumOff val="25000"/>
+            </a:schemeClr>
           </a:solidFill>
           <a:latin typeface="+mn-lt"/>
           <a:ea typeface="+mn-ea"/>
           <a:cs typeface="+mn-cs"/>
         </a:defRPr>
       </a:lvl4pPr>
-      <a:lvl5pPr marL="2057400" indent="-228600" algn="l" defTabSz="914400" rtl="0" eaLnBrk="1" latinLnBrk="0" hangingPunct="1">
+      <a:lvl5pPr marL="932688" indent="-182880" algn="l" defTabSz="914400" rtl="0" eaLnBrk="1" latinLnBrk="0" hangingPunct="1">
         <a:lnSpc>
           <a:spcPct val="90000"/>
         </a:lnSpc>
         <a:spcBef>
-          <a:spcPts val="500"/>
+          <a:spcPts val="200"/>
         </a:spcBef>
-        <a:buFont typeface="Arial" panose="020B0604020202020204" pitchFamily="34" charset="0"/>
-        <a:buChar char="•"/>
-        <a:defRPr sz="1800" kern="1200">
+        <a:spcAft>
+          <a:spcPts val="400"/>
+        </a:spcAft>
+        <a:buClr>
+          <a:schemeClr val="accent1"/>
+        </a:buClr>
+        <a:buFont typeface="Calibri" pitchFamily="34" charset="0"/>
+        <a:buChar char="◦"/>
+        <a:defRPr sz="1400" kern="1200">
           <a:solidFill>
-            <a:schemeClr val="tx1"/>
+            <a:schemeClr val="tx1">
+              <a:lumMod val="75000"/>
+              <a:lumOff val="25000"/>
+            </a:schemeClr>
           </a:solidFill>
           <a:latin typeface="+mn-lt"/>
           <a:ea typeface="+mn-ea"/>
           <a:cs typeface="+mn-cs"/>
         </a:defRPr>
       </a:lvl5pPr>
-      <a:lvl6pPr marL="2514600" indent="-228600" algn="l" defTabSz="914400" rtl="0" eaLnBrk="1" latinLnBrk="0" hangingPunct="1">
+      <a:lvl6pPr marL="1100000" indent="-228600" algn="l" defTabSz="914400" rtl="0" eaLnBrk="1" latinLnBrk="0" hangingPunct="1">
         <a:lnSpc>
           <a:spcPct val="90000"/>
         </a:lnSpc>
         <a:spcBef>
-          <a:spcPts val="500"/>
+          <a:spcPts val="200"/>
         </a:spcBef>
-        <a:buFont typeface="Arial" panose="020B0604020202020204" pitchFamily="34" charset="0"/>
-        <a:buChar char="•"/>
-        <a:defRPr sz="1800" kern="1200">
+        <a:spcAft>
+          <a:spcPts val="400"/>
+        </a:spcAft>
+        <a:buClr>
+          <a:schemeClr val="accent1"/>
+        </a:buClr>
+        <a:buFont typeface="Calibri" pitchFamily="34" charset="0"/>
+        <a:buChar char="◦"/>
+        <a:defRPr sz="1400" kern="1200">
           <a:solidFill>
-            <a:schemeClr val="tx1"/>
+            <a:schemeClr val="tx1">
+              <a:lumMod val="75000"/>
+              <a:lumOff val="25000"/>
+            </a:schemeClr>
           </a:solidFill>
           <a:latin typeface="+mn-lt"/>
           <a:ea typeface="+mn-ea"/>
           <a:cs typeface="+mn-cs"/>
         </a:defRPr>
       </a:lvl6pPr>
-      <a:lvl7pPr marL="2971800" indent="-228600" algn="l" defTabSz="914400" rtl="0" eaLnBrk="1" latinLnBrk="0" hangingPunct="1">
+      <a:lvl7pPr marL="1300000" indent="-228600" algn="l" defTabSz="914400" rtl="0" eaLnBrk="1" latinLnBrk="0" hangingPunct="1">
         <a:lnSpc>
           <a:spcPct val="90000"/>
         </a:lnSpc>
         <a:spcBef>
-          <a:spcPts val="500"/>
+          <a:spcPts val="200"/>
         </a:spcBef>
-        <a:buFont typeface="Arial" panose="020B0604020202020204" pitchFamily="34" charset="0"/>
-        <a:buChar char="•"/>
-        <a:defRPr sz="1800" kern="1200">
+        <a:spcAft>
+          <a:spcPts val="400"/>
+        </a:spcAft>
+        <a:buClr>
+          <a:schemeClr val="accent1"/>
+        </a:buClr>
+        <a:buFont typeface="Calibri" pitchFamily="34" charset="0"/>
+        <a:buChar char="◦"/>
+        <a:defRPr sz="1400" kern="1200">
           <a:solidFill>
-            <a:schemeClr val="tx1"/>
+            <a:schemeClr val="tx1">
+              <a:lumMod val="75000"/>
+              <a:lumOff val="25000"/>
+            </a:schemeClr>
           </a:solidFill>
           <a:latin typeface="+mn-lt"/>
           <a:ea typeface="+mn-ea"/>
           <a:cs typeface="+mn-cs"/>
         </a:defRPr>
       </a:lvl7pPr>
-      <a:lvl8pPr marL="3429000" indent="-228600" algn="l" defTabSz="914400" rtl="0" eaLnBrk="1" latinLnBrk="0" hangingPunct="1">
+      <a:lvl8pPr marL="1500000" indent="-228600" algn="l" defTabSz="914400" rtl="0" eaLnBrk="1" latinLnBrk="0" hangingPunct="1">
         <a:lnSpc>
           <a:spcPct val="90000"/>
         </a:lnSpc>
         <a:spcBef>
-          <a:spcPts val="500"/>
+          <a:spcPts val="200"/>
         </a:spcBef>
-        <a:buFont typeface="Arial" panose="020B0604020202020204" pitchFamily="34" charset="0"/>
-        <a:buChar char="•"/>
-        <a:defRPr sz="1800" kern="1200">
+        <a:spcAft>
+          <a:spcPts val="400"/>
+        </a:spcAft>
+        <a:buClr>
+          <a:schemeClr val="accent1"/>
+        </a:buClr>
+        <a:buFont typeface="Calibri" pitchFamily="34" charset="0"/>
+        <a:buChar char="◦"/>
+        <a:defRPr sz="1400" kern="1200">
           <a:solidFill>
-            <a:schemeClr val="tx1"/>
+            <a:schemeClr val="tx1">
+              <a:lumMod val="75000"/>
+              <a:lumOff val="25000"/>
+            </a:schemeClr>
           </a:solidFill>
           <a:latin typeface="+mn-lt"/>
           <a:ea typeface="+mn-ea"/>
           <a:cs typeface="+mn-cs"/>
         </a:defRPr>
       </a:lvl8pPr>
-      <a:lvl9pPr marL="3886200" indent="-228600" algn="l" defTabSz="914400" rtl="0" eaLnBrk="1" latinLnBrk="0" hangingPunct="1">
+      <a:lvl9pPr marL="1700000" indent="-228600" algn="l" defTabSz="914400" rtl="0" eaLnBrk="1" latinLnBrk="0" hangingPunct="1">
         <a:lnSpc>
           <a:spcPct val="90000"/>
         </a:lnSpc>
         <a:spcBef>
-          <a:spcPts val="500"/>
+          <a:spcPts val="200"/>
         </a:spcBef>
-        <a:buFont typeface="Arial" panose="020B0604020202020204" pitchFamily="34" charset="0"/>
-        <a:buChar char="•"/>
-        <a:defRPr sz="1800" kern="1200">
+        <a:spcAft>
+          <a:spcPts val="400"/>
+        </a:spcAft>
+        <a:buClr>
+          <a:schemeClr val="accent1"/>
+        </a:buClr>
+        <a:buFont typeface="Calibri" pitchFamily="34" charset="0"/>
+        <a:buChar char="◦"/>
+        <a:defRPr sz="1400" kern="1200">
           <a:solidFill>
-            <a:schemeClr val="tx1"/>
+            <a:schemeClr val="tx1">
+              <a:lumMod val="75000"/>
+              <a:lumOff val="25000"/>
+            </a:schemeClr>
           </a:solidFill>
           <a:latin typeface="+mn-lt"/>
           <a:ea typeface="+mn-ea"/>
@@ -3318,6 +3801,14 @@
 <file path=ppt/slides/slide1.xml><?xml version="1.0" encoding="utf-8"?>
 <p:sld xmlns:a="http://schemas.openxmlformats.org/drawingml/2006/main" xmlns:r="http://schemas.openxmlformats.org/officeDocument/2006/relationships" xmlns:p="http://schemas.openxmlformats.org/presentationml/2006/main">
   <p:cSld>
+    <p:bg>
+      <p:bgPr>
+        <a:solidFill>
+          <a:schemeClr val="bg1"/>
+        </a:solidFill>
+        <a:effectLst/>
+      </p:bgPr>
+    </p:bg>
     <p:spTree>
       <p:nvGrpSpPr>
         <p:cNvPr id="1" name=""/>
@@ -3332,6 +3823,66 @@
           <a:chExt cx="0" cy="0"/>
         </a:xfrm>
       </p:grpSpPr>
+      <p:sp useBgFill="1">
+        <p:nvSpPr>
+          <p:cNvPr id="21" name="Rectangle 7">
+            <a:extLst>
+              <a:ext uri="{FF2B5EF4-FFF2-40B4-BE49-F238E27FC236}">
+                <a16:creationId xmlns:a16="http://schemas.microsoft.com/office/drawing/2014/main" id="{8C6E698C-8155-4B8B-BDC9-B7299772B509}"/>
+              </a:ext>
+              <a:ext uri="{C183D7F6-B498-43B3-948B-1728B52AA6E4}">
+                <adec:decorative xmlns:adec="http://schemas.microsoft.com/office/drawing/2017/decorative" val="1"/>
+              </a:ext>
+            </a:extLst>
+          </p:cNvPr>
+          <p:cNvSpPr>
+            <a:spLocks noGrp="1" noRot="1" noChangeAspect="1" noMove="1" noResize="1" noEditPoints="1" noAdjustHandles="1" noChangeArrowheads="1" noChangeShapeType="1" noTextEdit="1"/>
+          </p:cNvSpPr>
+          <p:nvPr>
+            <p:extLst>
+              <p:ext uri="{386F3935-93C4-4BCD-93E2-E3B085C9AB24}">
+                <p16:designElem xmlns:p16="http://schemas.microsoft.com/office/powerpoint/2015/main" val="1"/>
+              </p:ext>
+            </p:extLst>
+          </p:nvPr>
+        </p:nvSpPr>
+        <p:spPr>
+          <a:xfrm>
+            <a:off x="0" y="0"/>
+            <a:ext cx="12188952" cy="6858000"/>
+          </a:xfrm>
+          <a:prstGeom prst="rect">
+            <a:avLst/>
+          </a:prstGeom>
+          <a:ln>
+            <a:noFill/>
+          </a:ln>
+        </p:spPr>
+        <p:style>
+          <a:lnRef idx="2">
+            <a:schemeClr val="accent1">
+              <a:shade val="50000"/>
+            </a:schemeClr>
+          </a:lnRef>
+          <a:fillRef idx="1">
+            <a:schemeClr val="accent1"/>
+          </a:fillRef>
+          <a:effectRef idx="0">
+            <a:schemeClr val="accent1"/>
+          </a:effectRef>
+          <a:fontRef idx="minor">
+            <a:schemeClr val="lt1"/>
+          </a:fontRef>
+        </p:style>
+        <p:txBody>
+          <a:bodyPr rtlCol="0" anchor="ctr"/>
+          <a:lstStyle/>
+          <a:p>
+            <a:pPr algn="ctr"/>
+            <a:endParaRPr lang="en-US"/>
+          </a:p>
+        </p:txBody>
+      </p:sp>
       <p:sp>
         <p:nvSpPr>
           <p:cNvPr id="2" name="Title 1">
@@ -3348,13 +3899,21 @@
             <p:ph type="ctrTitle"/>
           </p:nvPr>
         </p:nvSpPr>
-        <p:spPr/>
-        <p:txBody>
-          <a:bodyPr/>
-          <a:lstStyle/>
-          <a:p>
-            <a:r>
-              <a:rPr lang="en-US" dirty="0"/>
+        <p:spPr>
+          <a:xfrm>
+            <a:off x="965201" y="643467"/>
+            <a:ext cx="6255026" cy="5054008"/>
+          </a:xfrm>
+        </p:spPr>
+        <p:txBody>
+          <a:bodyPr anchor="ctr">
+            <a:normAutofit/>
+          </a:bodyPr>
+          <a:lstStyle/>
+          <a:p>
+            <a:pPr algn="r"/>
+            <a:r>
+              <a:rPr lang="en-US"/>
               <a:t>5 Skills You Must Master to Excel (as a Developer)</a:t>
             </a:r>
           </a:p>
@@ -3376,34 +3935,202 @@
             <p:ph type="subTitle" idx="1"/>
           </p:nvPr>
         </p:nvSpPr>
-        <p:spPr/>
-        <p:txBody>
-          <a:bodyPr>
-            <a:normAutofit lnSpcReduction="10000"/>
+        <p:spPr>
+          <a:xfrm>
+            <a:off x="7870995" y="643467"/>
+            <a:ext cx="3341488" cy="5054008"/>
+          </a:xfrm>
+        </p:spPr>
+        <p:txBody>
+          <a:bodyPr anchor="ctr">
+            <a:normAutofit/>
           </a:bodyPr>
           <a:lstStyle/>
           <a:p>
             <a:r>
-              <a:rPr lang="en-US" dirty="0"/>
+              <a:rPr lang="en-US"/>
               <a:t>Michael Eaton</a:t>
             </a:r>
           </a:p>
           <a:p>
             <a:r>
-              <a:rPr lang="en-US" dirty="0"/>
+              <a:rPr lang="en-US"/>
               <a:t>Principal Consultant, Improving</a:t>
             </a:r>
           </a:p>
           <a:p>
+            <a:endParaRPr lang="en-US"/>
+          </a:p>
+          <a:p>
+            <a:r>
+              <a:rPr lang="en-US"/>
+              <a:t>Beer City Code, August 11, 2023</a:t>
+            </a:r>
             <a:endParaRPr lang="en-US" dirty="0"/>
           </a:p>
-          <a:p>
-            <a:r>
-              <a:rPr lang="en-US" dirty="0"/>
-              <a:t>Beer City Code, August 11, 2023</a:t>
-            </a:r>
-          </a:p>
-        </p:txBody>
+        </p:txBody>
+      </p:sp>
+      <p:cxnSp>
+        <p:nvCxnSpPr>
+          <p:cNvPr id="22" name="Straight Connector 9">
+            <a:extLst>
+              <a:ext uri="{FF2B5EF4-FFF2-40B4-BE49-F238E27FC236}">
+                <a16:creationId xmlns:a16="http://schemas.microsoft.com/office/drawing/2014/main" id="{09525C9A-1972-4836-BA7A-706C946EF4DA}"/>
+              </a:ext>
+              <a:ext uri="{C183D7F6-B498-43B3-948B-1728B52AA6E4}">
+                <adec:decorative xmlns:adec="http://schemas.microsoft.com/office/drawing/2017/decorative" val="1"/>
+              </a:ext>
+            </a:extLst>
+          </p:cNvPr>
+          <p:cNvCxnSpPr>
+            <a:cxnSpLocks noGrp="1" noRot="1" noChangeAspect="1" noMove="1" noResize="1" noEditPoints="1" noAdjustHandles="1" noChangeArrowheads="1" noChangeShapeType="1"/>
+          </p:cNvCxnSpPr>
+          <p:nvPr>
+            <p:extLst>
+              <p:ext uri="{386F3935-93C4-4BCD-93E2-E3B085C9AB24}">
+                <p16:designElem xmlns:p16="http://schemas.microsoft.com/office/powerpoint/2015/main" val="1"/>
+              </p:ext>
+            </p:extLst>
+          </p:nvPr>
+        </p:nvCxnSpPr>
+        <p:spPr>
+          <a:xfrm>
+            <a:off x="7534656" y="1391367"/>
+            <a:ext cx="0" cy="3558208"/>
+          </a:xfrm>
+          <a:prstGeom prst="line">
+            <a:avLst/>
+          </a:prstGeom>
+          <a:ln>
+            <a:solidFill>
+              <a:schemeClr val="tx2"/>
+            </a:solidFill>
+          </a:ln>
+        </p:spPr>
+        <p:style>
+          <a:lnRef idx="1">
+            <a:schemeClr val="accent1"/>
+          </a:lnRef>
+          <a:fillRef idx="0">
+            <a:schemeClr val="accent1"/>
+          </a:fillRef>
+          <a:effectRef idx="0">
+            <a:schemeClr val="accent1"/>
+          </a:effectRef>
+          <a:fontRef idx="minor">
+            <a:schemeClr val="tx1"/>
+          </a:fontRef>
+        </p:style>
+      </p:cxnSp>
+      <p:sp>
+        <p:nvSpPr>
+          <p:cNvPr id="23" name="Rectangle 11">
+            <a:extLst>
+              <a:ext uri="{FF2B5EF4-FFF2-40B4-BE49-F238E27FC236}">
+                <a16:creationId xmlns:a16="http://schemas.microsoft.com/office/drawing/2014/main" id="{8A549DE7-671D-4575-AF43-858FD99981CF}"/>
+              </a:ext>
+              <a:ext uri="{C183D7F6-B498-43B3-948B-1728B52AA6E4}">
+                <adec:decorative xmlns:adec="http://schemas.microsoft.com/office/drawing/2017/decorative" val="1"/>
+              </a:ext>
+            </a:extLst>
+          </p:cNvPr>
+          <p:cNvSpPr>
+            <a:spLocks noGrp="1" noRot="1" noChangeAspect="1" noMove="1" noResize="1" noEditPoints="1" noAdjustHandles="1" noChangeArrowheads="1" noChangeShapeType="1" noTextEdit="1"/>
+          </p:cNvSpPr>
+          <p:nvPr>
+            <p:extLst>
+              <p:ext uri="{386F3935-93C4-4BCD-93E2-E3B085C9AB24}">
+                <p16:designElem xmlns:p16="http://schemas.microsoft.com/office/powerpoint/2015/main" val="1"/>
+              </p:ext>
+            </p:extLst>
+          </p:nvPr>
+        </p:nvSpPr>
+        <p:spPr>
+          <a:xfrm>
+            <a:off x="3175" y="6400800"/>
+            <a:ext cx="12188825" cy="457200"/>
+          </a:xfrm>
+          <a:prstGeom prst="rect">
+            <a:avLst/>
+          </a:prstGeom>
+          <a:solidFill>
+            <a:schemeClr val="accent2"/>
+          </a:solidFill>
+          <a:ln>
+            <a:noFill/>
+          </a:ln>
+        </p:spPr>
+        <p:style>
+          <a:lnRef idx="2">
+            <a:schemeClr val="accent1">
+              <a:shade val="50000"/>
+            </a:schemeClr>
+          </a:lnRef>
+          <a:fillRef idx="1">
+            <a:schemeClr val="accent1"/>
+          </a:fillRef>
+          <a:effectRef idx="0">
+            <a:schemeClr val="accent1"/>
+          </a:effectRef>
+          <a:fontRef idx="minor">
+            <a:schemeClr val="lt1"/>
+          </a:fontRef>
+        </p:style>
+      </p:sp>
+      <p:sp>
+        <p:nvSpPr>
+          <p:cNvPr id="24" name="Rectangle 13">
+            <a:extLst>
+              <a:ext uri="{FF2B5EF4-FFF2-40B4-BE49-F238E27FC236}">
+                <a16:creationId xmlns:a16="http://schemas.microsoft.com/office/drawing/2014/main" id="{C22D9B36-9BE7-472B-8808-7E0D6810738F}"/>
+              </a:ext>
+              <a:ext uri="{C183D7F6-B498-43B3-948B-1728B52AA6E4}">
+                <adec:decorative xmlns:adec="http://schemas.microsoft.com/office/drawing/2017/decorative" val="1"/>
+              </a:ext>
+            </a:extLst>
+          </p:cNvPr>
+          <p:cNvSpPr>
+            <a:spLocks noGrp="1" noRot="1" noChangeAspect="1" noMove="1" noResize="1" noEditPoints="1" noAdjustHandles="1" noChangeArrowheads="1" noChangeShapeType="1" noTextEdit="1"/>
+          </p:cNvSpPr>
+          <p:nvPr>
+            <p:extLst>
+              <p:ext uri="{386F3935-93C4-4BCD-93E2-E3B085C9AB24}">
+                <p16:designElem xmlns:p16="http://schemas.microsoft.com/office/powerpoint/2015/main" val="1"/>
+              </p:ext>
+            </p:extLst>
+          </p:nvPr>
+        </p:nvSpPr>
+        <p:spPr>
+          <a:xfrm>
+            <a:off x="15" y="6340942"/>
+            <a:ext cx="12188825" cy="64008"/>
+          </a:xfrm>
+          <a:prstGeom prst="rect">
+            <a:avLst/>
+          </a:prstGeom>
+          <a:solidFill>
+            <a:schemeClr val="accent1"/>
+          </a:solidFill>
+          <a:ln>
+            <a:noFill/>
+          </a:ln>
+        </p:spPr>
+        <p:style>
+          <a:lnRef idx="2">
+            <a:schemeClr val="accent1">
+              <a:shade val="50000"/>
+            </a:schemeClr>
+          </a:lnRef>
+          <a:fillRef idx="1">
+            <a:schemeClr val="accent1"/>
+          </a:fillRef>
+          <a:effectRef idx="0">
+            <a:schemeClr val="accent1"/>
+          </a:effectRef>
+          <a:fontRef idx="minor">
+            <a:schemeClr val="lt1"/>
+          </a:fontRef>
+        </p:style>
       </p:sp>
     </p:spTree>
     <p:extLst>
@@ -4332,54 +5059,54 @@
 </file>
 
 <file path=ppt/theme/theme1.xml><?xml version="1.0" encoding="utf-8"?>
-<a:theme xmlns:a="http://schemas.openxmlformats.org/drawingml/2006/main" name="Office Theme">
+<a:theme xmlns:a="http://schemas.openxmlformats.org/drawingml/2006/main" name="Retrospect">
   <a:themeElements>
-    <a:clrScheme name="Office">
+    <a:clrScheme name="Retrospect">
       <a:dk1>
-        <a:sysClr val="windowText" lastClr="000000"/>
+        <a:srgbClr val="000000"/>
       </a:dk1>
       <a:lt1>
         <a:sysClr val="window" lastClr="FFFFFF"/>
       </a:lt1>
       <a:dk2>
-        <a:srgbClr val="44546A"/>
+        <a:srgbClr val="637052"/>
       </a:dk2>
       <a:lt2>
-        <a:srgbClr val="E7E6E6"/>
+        <a:srgbClr val="CCDDEA"/>
       </a:lt2>
       <a:accent1>
-        <a:srgbClr val="4472C4"/>
+        <a:srgbClr val="E48312"/>
       </a:accent1>
       <a:accent2>
-        <a:srgbClr val="ED7D31"/>
+        <a:srgbClr val="BD582C"/>
       </a:accent2>
       <a:accent3>
-        <a:srgbClr val="A5A5A5"/>
+        <a:srgbClr val="865640"/>
       </a:accent3>
       <a:accent4>
-        <a:srgbClr val="FFC000"/>
+        <a:srgbClr val="9B8357"/>
       </a:accent4>
       <a:accent5>
-        <a:srgbClr val="5B9BD5"/>
+        <a:srgbClr val="C2BC80"/>
       </a:accent5>
       <a:accent6>
-        <a:srgbClr val="70AD47"/>
+        <a:srgbClr val="94A088"/>
       </a:accent6>
       <a:hlink>
-        <a:srgbClr val="0563C1"/>
+        <a:srgbClr val="2998E3"/>
       </a:hlink>
       <a:folHlink>
-        <a:srgbClr val="954F72"/>
+        <a:srgbClr val="8C8C8C"/>
       </a:folHlink>
     </a:clrScheme>
-    <a:fontScheme name="Office">
+    <a:fontScheme name="Retrospect">
       <a:majorFont>
         <a:latin typeface="Calibri Light" panose="020F0302020204030204"/>
         <a:ea typeface=""/>
         <a:cs typeface=""/>
-        <a:font script="Jpan" typeface="游ゴシック Light"/>
+        <a:font script="Jpan" typeface="ＭＳ Ｐゴシック"/>
         <a:font script="Hang" typeface="맑은 고딕"/>
-        <a:font script="Hans" typeface="等线 Light"/>
+        <a:font script="Hans" typeface="宋体"/>
         <a:font script="Hant" typeface="新細明體"/>
         <a:font script="Arab" typeface="Times New Roman"/>
         <a:font script="Hebr" typeface="Times New Roman"/>
@@ -4407,31 +5134,14 @@
         <a:font script="Viet" typeface="Times New Roman"/>
         <a:font script="Uigh" typeface="Microsoft Uighur"/>
         <a:font script="Geor" typeface="Sylfaen"/>
-        <a:font script="Armn" typeface="Arial"/>
-        <a:font script="Bugi" typeface="Leelawadee UI"/>
-        <a:font script="Bopo" typeface="Microsoft JhengHei"/>
-        <a:font script="Java" typeface="Javanese Text"/>
-        <a:font script="Lisu" typeface="Segoe UI"/>
-        <a:font script="Mymr" typeface="Myanmar Text"/>
-        <a:font script="Nkoo" typeface="Ebrima"/>
-        <a:font script="Olck" typeface="Nirmala UI"/>
-        <a:font script="Osma" typeface="Ebrima"/>
-        <a:font script="Phag" typeface="Phagspa"/>
-        <a:font script="Syrn" typeface="Estrangelo Edessa"/>
-        <a:font script="Syrj" typeface="Estrangelo Edessa"/>
-        <a:font script="Syre" typeface="Estrangelo Edessa"/>
-        <a:font script="Sora" typeface="Nirmala UI"/>
-        <a:font script="Tale" typeface="Microsoft Tai Le"/>
-        <a:font script="Talu" typeface="Microsoft New Tai Lue"/>
-        <a:font script="Tfng" typeface="Ebrima"/>
       </a:majorFont>
       <a:minorFont>
         <a:latin typeface="Calibri" panose="020F0502020204030204"/>
         <a:ea typeface=""/>
         <a:cs typeface=""/>
-        <a:font script="Jpan" typeface="游ゴシック"/>
+        <a:font script="Jpan" typeface="ＭＳ Ｐゴシック"/>
         <a:font script="Hang" typeface="맑은 고딕"/>
-        <a:font script="Hans" typeface="等线"/>
+        <a:font script="Hans" typeface="宋体"/>
         <a:font script="Hant" typeface="新細明體"/>
         <a:font script="Arab" typeface="Arial"/>
         <a:font script="Hebr" typeface="Arial"/>
@@ -4459,26 +5169,9 @@
         <a:font script="Viet" typeface="Arial"/>
         <a:font script="Uigh" typeface="Microsoft Uighur"/>
         <a:font script="Geor" typeface="Sylfaen"/>
-        <a:font script="Armn" typeface="Arial"/>
-        <a:font script="Bugi" typeface="Leelawadee UI"/>
-        <a:font script="Bopo" typeface="Microsoft JhengHei"/>
-        <a:font script="Java" typeface="Javanese Text"/>
-        <a:font script="Lisu" typeface="Segoe UI"/>
-        <a:font script="Mymr" typeface="Myanmar Text"/>
-        <a:font script="Nkoo" typeface="Ebrima"/>
-        <a:font script="Olck" typeface="Nirmala UI"/>
-        <a:font script="Osma" typeface="Ebrima"/>
-        <a:font script="Phag" typeface="Phagspa"/>
-        <a:font script="Syrn" typeface="Estrangelo Edessa"/>
-        <a:font script="Syrj" typeface="Estrangelo Edessa"/>
-        <a:font script="Syre" typeface="Estrangelo Edessa"/>
-        <a:font script="Sora" typeface="Nirmala UI"/>
-        <a:font script="Tale" typeface="Microsoft Tai Le"/>
-        <a:font script="Talu" typeface="Microsoft New Tai Lue"/>
-        <a:font script="Tfng" typeface="Ebrima"/>
       </a:minorFont>
     </a:fontScheme>
-    <a:fmtScheme name="Office">
+    <a:fmtScheme name="Retrospect">
       <a:fillStyleLst>
         <a:solidFill>
           <a:schemeClr val="phClr"/>
@@ -4487,76 +5180,81 @@
           <a:gsLst>
             <a:gs pos="0">
               <a:schemeClr val="phClr">
-                <a:lumMod val="110000"/>
-                <a:satMod val="105000"/>
-                <a:tint val="67000"/>
+                <a:tint val="65000"/>
+                <a:shade val="92000"/>
+                <a:satMod val="130000"/>
               </a:schemeClr>
             </a:gs>
-            <a:gs pos="50000">
+            <a:gs pos="45000">
               <a:schemeClr val="phClr">
-                <a:lumMod val="105000"/>
-                <a:satMod val="103000"/>
-                <a:tint val="73000"/>
+                <a:tint val="60000"/>
+                <a:shade val="99000"/>
+                <a:satMod val="120000"/>
               </a:schemeClr>
             </a:gs>
             <a:gs pos="100000">
               <a:schemeClr val="phClr">
-                <a:lumMod val="105000"/>
-                <a:satMod val="109000"/>
-                <a:tint val="81000"/>
+                <a:tint val="55000"/>
+                <a:satMod val="140000"/>
               </a:schemeClr>
             </a:gs>
           </a:gsLst>
-          <a:lin ang="5400000" scaled="0"/>
+          <a:path path="circle">
+            <a:fillToRect l="100000" t="100000" r="100000" b="100000"/>
+          </a:path>
         </a:gradFill>
         <a:gradFill rotWithShape="1">
           <a:gsLst>
             <a:gs pos="0">
               <a:schemeClr val="phClr">
-                <a:satMod val="103000"/>
-                <a:lumMod val="102000"/>
-                <a:tint val="94000"/>
+                <a:shade val="85000"/>
+                <a:satMod val="130000"/>
               </a:schemeClr>
             </a:gs>
-            <a:gs pos="50000">
+            <a:gs pos="34000">
               <a:schemeClr val="phClr">
-                <a:satMod val="110000"/>
-                <a:lumMod val="100000"/>
-                <a:shade val="100000"/>
+                <a:shade val="87000"/>
+                <a:satMod val="125000"/>
+              </a:schemeClr>
+            </a:gs>
+            <a:gs pos="70000">
+              <a:schemeClr val="phClr">
+                <a:tint val="100000"/>
+                <a:shade val="90000"/>
+                <a:satMod val="130000"/>
               </a:schemeClr>
             </a:gs>
             <a:gs pos="100000">
               <a:schemeClr val="phClr">
-                <a:lumMod val="99000"/>
-                <a:satMod val="120000"/>
-                <a:shade val="78000"/>
+                <a:tint val="100000"/>
+                <a:shade val="100000"/>
+                <a:satMod val="110000"/>
               </a:schemeClr>
             </a:gs>
           </a:gsLst>
-          <a:lin ang="5400000" scaled="0"/>
+          <a:path path="circle">
+            <a:fillToRect l="100000" t="100000" r="100000" b="100000"/>
+          </a:path>
         </a:gradFill>
       </a:fillStyleLst>
       <a:lnStyleLst>
-        <a:ln w="6350" cap="flat" cmpd="sng" algn="ctr">
-          <a:solidFill>
-            <a:schemeClr val="phClr"/>
-          </a:solidFill>
-          <a:prstDash val="solid"/>
-          <a:miter lim="800000"/>
-        </a:ln>
         <a:ln w="12700" cap="flat" cmpd="sng" algn="ctr">
           <a:solidFill>
             <a:schemeClr val="phClr"/>
           </a:solidFill>
           <a:prstDash val="solid"/>
-          <a:miter lim="800000"/>
         </a:ln>
-        <a:ln w="19050" cap="flat" cmpd="sng" algn="ctr">
+        <a:ln w="15875" cap="flat" cmpd="sng" algn="ctr">
           <a:solidFill>
             <a:schemeClr val="phClr"/>
           </a:solidFill>
           <a:prstDash val="solid"/>
-          <a:miter lim="800000"/>
+        </a:ln>
+        <a:ln w="25400" cap="flat" cmpd="sng" algn="ctr">
+          <a:solidFill>
+            <a:schemeClr val="phClr"/>
+          </a:solidFill>
+          <a:prstDash val="solid"/>
         </a:ln>
       </a:lnStyleLst>
       <a:effectStyleLst>
@@ -4564,16 +5262,33 @@
           <a:effectLst/>
         </a:effectStyle>
         <a:effectStyle>
-          <a:effectLst/>
+          <a:effectLst>
+            <a:outerShdw blurRad="38100" dist="25400" dir="2700000" algn="br" rotWithShape="0">
+              <a:srgbClr val="000000">
+                <a:alpha val="60000"/>
+              </a:srgbClr>
+            </a:outerShdw>
+          </a:effectLst>
         </a:effectStyle>
         <a:effectStyle>
           <a:effectLst>
-            <a:outerShdw blurRad="57150" dist="19050" dir="5400000" algn="ctr" rotWithShape="0">
+            <a:outerShdw blurRad="44450" dist="25400" dir="2700000" algn="br" rotWithShape="0">
               <a:srgbClr val="000000">
-                <a:alpha val="63000"/>
+                <a:alpha val="60000"/>
               </a:srgbClr>
             </a:outerShdw>
           </a:effectLst>
+          <a:scene3d>
+            <a:camera prst="orthographicFront">
+              <a:rot lat="0" lon="0" rev="0"/>
+            </a:camera>
+            <a:lightRig rig="threePt" dir="t">
+              <a:rot lat="0" lon="0" rev="19800000"/>
+            </a:lightRig>
+          </a:scene3d>
+          <a:sp3d prstMaterial="flat">
+            <a:bevelT w="25400" h="31750"/>
+          </a:sp3d>
         </a:effectStyle>
       </a:effectStyleLst>
       <a:bgFillStyleLst>
@@ -4582,36 +5297,36 @@
         </a:solidFill>
         <a:solidFill>
           <a:schemeClr val="phClr">
-            <a:tint val="95000"/>
-            <a:satMod val="170000"/>
+            <a:tint val="90000"/>
+            <a:shade val="97000"/>
+            <a:satMod val="130000"/>
           </a:schemeClr>
         </a:solidFill>
         <a:gradFill rotWithShape="1">
           <a:gsLst>
             <a:gs pos="0">
               <a:schemeClr val="phClr">
-                <a:tint val="93000"/>
-                <a:satMod val="150000"/>
-                <a:shade val="98000"/>
-                <a:lumMod val="102000"/>
+                <a:tint val="96000"/>
+                <a:shade val="99000"/>
+                <a:satMod val="140000"/>
               </a:schemeClr>
             </a:gs>
-            <a:gs pos="50000">
+            <a:gs pos="65000">
               <a:schemeClr val="phClr">
-                <a:tint val="98000"/>
+                <a:tint val="100000"/>
+                <a:shade val="80000"/>
                 <a:satMod val="130000"/>
-                <a:shade val="90000"/>
-                <a:lumMod val="103000"/>
               </a:schemeClr>
             </a:gs>
             <a:gs pos="100000">
               <a:schemeClr val="phClr">
-                <a:shade val="63000"/>
+                <a:tint val="100000"/>
+                <a:shade val="48000"/>
                 <a:satMod val="120000"/>
               </a:schemeClr>
             </a:gs>
           </a:gsLst>
-          <a:lin ang="5400000" scaled="0"/>
+          <a:lin ang="16200000" scaled="0"/>
         </a:gradFill>
       </a:bgFillStyleLst>
     </a:fmtScheme>
@@ -4620,7 +5335,7 @@
   <a:extraClrSchemeLst/>
   <a:extLst>
     <a:ext uri="{05A4C25C-085E-4340-85A3-A5531E510DB2}">
-      <thm15:themeFamily xmlns:thm15="http://schemas.microsoft.com/office/thememl/2012/main" name="Office Theme" id="{62F939B6-93AF-4DB8-9C6B-D6C7DFDC589F}" vid="{4A3C46E8-61CC-4603-A589-7422A47A8E4A}"/>
+      <thm15:themeFamily xmlns:thm15="http://schemas.microsoft.com/office/thememl/2012/main" name="Retrospect" id="{5F128B03-DCCA-4EEB-AB3B-CF2899314A46}" vid="{3F1AAB62-24C6-49D2-8E01-B56FAC9A3DCD}"/>
     </a:ext>
   </a:extLst>
 </a:theme>

--- a/2023/5 Skills You Must Master.pptx
+++ b/2023/5 Skills You Must Master.pptx
@@ -4273,31 +4273,6 @@
           </a:p>
         </p:txBody>
       </p:sp>
-      <p:sp>
-        <p:nvSpPr>
-          <p:cNvPr id="3" name="Content Placeholder 2">
-            <a:extLst>
-              <a:ext uri="{FF2B5EF4-FFF2-40B4-BE49-F238E27FC236}">
-                <a16:creationId xmlns:a16="http://schemas.microsoft.com/office/drawing/2014/main" id="{16A3752E-6752-2C73-09CC-DC1E370A48D0}"/>
-              </a:ext>
-            </a:extLst>
-          </p:cNvPr>
-          <p:cNvSpPr>
-            <a:spLocks noGrp="1"/>
-          </p:cNvSpPr>
-          <p:nvPr>
-            <p:ph idx="1"/>
-          </p:nvPr>
-        </p:nvSpPr>
-        <p:spPr/>
-        <p:txBody>
-          <a:bodyPr/>
-          <a:lstStyle/>
-          <a:p>
-            <a:endParaRPr lang="en-US"/>
-          </a:p>
-        </p:txBody>
-      </p:sp>
     </p:spTree>
     <p:extLst>
       <p:ext uri="{BB962C8B-B14F-4D97-AF65-F5344CB8AC3E}">
@@ -4356,28 +4331,77 @@
           </a:p>
         </p:txBody>
       </p:sp>
-      <p:sp>
-        <p:nvSpPr>
-          <p:cNvPr id="3" name="Content Placeholder 2">
+      <p:pic>
+        <p:nvPicPr>
+          <p:cNvPr id="4" name="Content Placeholder 3">
             <a:extLst>
               <a:ext uri="{FF2B5EF4-FFF2-40B4-BE49-F238E27FC236}">
-                <a16:creationId xmlns:a16="http://schemas.microsoft.com/office/drawing/2014/main" id="{139DA638-3D46-71C7-8C35-08B901AB85F8}"/>
+                <a16:creationId xmlns:a16="http://schemas.microsoft.com/office/drawing/2014/main" id="{565EEB73-C4D1-2DA6-5C62-4C431E8ACE29}"/>
               </a:ext>
             </a:extLst>
           </p:cNvPr>
-          <p:cNvSpPr>
-            <a:spLocks noGrp="1"/>
-          </p:cNvSpPr>
+          <p:cNvPicPr>
+            <a:picLocks noGrp="1" noChangeAspect="1"/>
+          </p:cNvPicPr>
           <p:nvPr>
             <p:ph idx="1"/>
           </p:nvPr>
-        </p:nvSpPr>
-        <p:spPr/>
-        <p:txBody>
-          <a:bodyPr/>
-          <a:lstStyle/>
-          <a:p>
-            <a:endParaRPr lang="en-US"/>
+        </p:nvPicPr>
+        <p:blipFill>
+          <a:blip r:embed="rId2"/>
+          <a:stretch>
+            <a:fillRect/>
+          </a:stretch>
+        </p:blipFill>
+        <p:spPr>
+          <a:xfrm>
+            <a:off x="1097280" y="1970596"/>
+            <a:ext cx="1828800" cy="1828800"/>
+          </a:xfrm>
+        </p:spPr>
+      </p:pic>
+      <p:sp>
+        <p:nvSpPr>
+          <p:cNvPr id="5" name="TextBox 4">
+            <a:extLst>
+              <a:ext uri="{FF2B5EF4-FFF2-40B4-BE49-F238E27FC236}">
+                <a16:creationId xmlns:a16="http://schemas.microsoft.com/office/drawing/2014/main" id="{EE38B79C-9C8C-2552-6F22-C2A468D12E62}"/>
+              </a:ext>
+            </a:extLst>
+          </p:cNvPr>
+          <p:cNvSpPr txBox="1"/>
+          <p:nvPr/>
+        </p:nvSpPr>
+        <p:spPr>
+          <a:xfrm>
+            <a:off x="3000053" y="1970596"/>
+            <a:ext cx="3431569" cy="1200329"/>
+          </a:xfrm>
+          <a:prstGeom prst="rect">
+            <a:avLst/>
+          </a:prstGeom>
+          <a:noFill/>
+        </p:spPr>
+        <p:txBody>
+          <a:bodyPr wrap="square" rtlCol="0">
+            <a:spAutoFit/>
+          </a:bodyPr>
+          <a:lstStyle/>
+          <a:p>
+            <a:r>
+              <a:rPr lang="en-US" dirty="0"/>
+              <a:t>My personal website/blog with my contact information.</a:t>
+            </a:r>
+            <a:br>
+              <a:rPr lang="en-US" dirty="0"/>
+            </a:br>
+            <a:br>
+              <a:rPr lang="en-US" dirty="0"/>
+            </a:br>
+            <a:r>
+              <a:rPr lang="en-US" dirty="0"/>
+              <a:t>https://samestuffdifferentday.com</a:t>
+            </a:r>
           </a:p>
         </p:txBody>
       </p:sp>
@@ -4441,26 +4465,90 @@
       </p:sp>
       <p:sp>
         <p:nvSpPr>
-          <p:cNvPr id="3" name="Content Placeholder 2">
+          <p:cNvPr id="4" name="TextBox 3">
             <a:extLst>
               <a:ext uri="{FF2B5EF4-FFF2-40B4-BE49-F238E27FC236}">
-                <a16:creationId xmlns:a16="http://schemas.microsoft.com/office/drawing/2014/main" id="{58D192D0-B0DE-DAB7-FE1C-91ABBF4A29B6}"/>
+                <a16:creationId xmlns:a16="http://schemas.microsoft.com/office/drawing/2014/main" id="{8E5C18EE-FF0F-F99E-C73A-1D5A290353E9}"/>
               </a:ext>
             </a:extLst>
           </p:cNvPr>
-          <p:cNvSpPr>
-            <a:spLocks noGrp="1"/>
-          </p:cNvSpPr>
-          <p:nvPr>
-            <p:ph idx="1"/>
-          </p:nvPr>
-        </p:nvSpPr>
-        <p:spPr/>
-        <p:txBody>
-          <a:bodyPr/>
-          <a:lstStyle/>
-          <a:p>
-            <a:endParaRPr lang="en-US"/>
+          <p:cNvSpPr txBox="1"/>
+          <p:nvPr/>
+        </p:nvSpPr>
+        <p:spPr>
+          <a:xfrm>
+            <a:off x="1212574" y="1908313"/>
+            <a:ext cx="9943106" cy="1754326"/>
+          </a:xfrm>
+          <a:prstGeom prst="rect">
+            <a:avLst/>
+          </a:prstGeom>
+          <a:noFill/>
+        </p:spPr>
+        <p:txBody>
+          <a:bodyPr wrap="square" rtlCol="0">
+            <a:spAutoFit/>
+          </a:bodyPr>
+          <a:lstStyle/>
+          <a:p>
+            <a:pPr marL="285750" indent="-285750">
+              <a:buFont typeface="Arial" panose="020B0604020202020204" pitchFamily="34" charset="0"/>
+              <a:buChar char="•"/>
+            </a:pPr>
+            <a:r>
+              <a:rPr lang="en-US" dirty="0"/>
+              <a:t>Husband</a:t>
+            </a:r>
+          </a:p>
+          <a:p>
+            <a:pPr marL="285750" indent="-285750">
+              <a:buFont typeface="Arial" panose="020B0604020202020204" pitchFamily="34" charset="0"/>
+              <a:buChar char="•"/>
+            </a:pPr>
+            <a:r>
+              <a:rPr lang="en-US" dirty="0"/>
+              <a:t>Father</a:t>
+            </a:r>
+          </a:p>
+          <a:p>
+            <a:pPr marL="285750" indent="-285750">
+              <a:buFont typeface="Arial" panose="020B0604020202020204" pitchFamily="34" charset="0"/>
+              <a:buChar char="•"/>
+            </a:pPr>
+            <a:r>
+              <a:rPr lang="en-US" dirty="0"/>
+              <a:t>Son</a:t>
+            </a:r>
+          </a:p>
+          <a:p>
+            <a:pPr marL="285750" indent="-285750">
+              <a:buFont typeface="Arial" panose="020B0604020202020204" pitchFamily="34" charset="0"/>
+              <a:buChar char="•"/>
+            </a:pPr>
+            <a:r>
+              <a:rPr lang="en-US" dirty="0"/>
+              <a:t>Caretaker of three cats</a:t>
+            </a:r>
+          </a:p>
+          <a:p>
+            <a:pPr marL="285750" indent="-285750">
+              <a:buFont typeface="Arial" panose="020B0604020202020204" pitchFamily="34" charset="0"/>
+              <a:buChar char="•"/>
+            </a:pPr>
+            <a:r>
+              <a:rPr lang="en-US" dirty="0"/>
+              <a:t>Developer with almost 30 years professional experience</a:t>
+            </a:r>
+          </a:p>
+          <a:p>
+            <a:pPr marL="285750" indent="-285750">
+              <a:buFont typeface="Arial" panose="020B0604020202020204" pitchFamily="34" charset="0"/>
+              <a:buChar char="•"/>
+            </a:pPr>
+            <a:r>
+              <a:rPr lang="en-US" dirty="0"/>
+              <a:t>Principal Consultant at Improving</a:t>
+            </a:r>
           </a:p>
         </p:txBody>
       </p:sp>
@@ -4522,28 +4610,303 @@
           </a:p>
         </p:txBody>
       </p:sp>
-      <p:sp>
-        <p:nvSpPr>
-          <p:cNvPr id="3" name="Content Placeholder 2">
+      <p:pic>
+        <p:nvPicPr>
+          <p:cNvPr id="4" name="Picture 3">
             <a:extLst>
               <a:ext uri="{FF2B5EF4-FFF2-40B4-BE49-F238E27FC236}">
-                <a16:creationId xmlns:a16="http://schemas.microsoft.com/office/drawing/2014/main" id="{790A02DB-678C-8778-B010-6A6E5B1D9F9A}"/>
+                <a16:creationId xmlns:a16="http://schemas.microsoft.com/office/drawing/2014/main" id="{7A87CE16-BCBD-2F83-3ABA-27816349FDAF}"/>
               </a:ext>
             </a:extLst>
           </p:cNvPr>
-          <p:cNvSpPr>
-            <a:spLocks noGrp="1"/>
-          </p:cNvSpPr>
-          <p:nvPr>
-            <p:ph idx="1"/>
-          </p:nvPr>
-        </p:nvSpPr>
-        <p:spPr/>
-        <p:txBody>
-          <a:bodyPr/>
-          <a:lstStyle/>
-          <a:p>
-            <a:endParaRPr lang="en-US"/>
+          <p:cNvPicPr>
+            <a:picLocks noChangeAspect="1"/>
+          </p:cNvPicPr>
+          <p:nvPr/>
+        </p:nvPicPr>
+        <p:blipFill>
+          <a:blip r:embed="rId2"/>
+          <a:stretch>
+            <a:fillRect/>
+          </a:stretch>
+        </p:blipFill>
+        <p:spPr>
+          <a:xfrm>
+            <a:off x="9784080" y="1934644"/>
+            <a:ext cx="1371600" cy="1371600"/>
+          </a:xfrm>
+          <a:prstGeom prst="rect">
+            <a:avLst/>
+          </a:prstGeom>
+        </p:spPr>
+      </p:pic>
+      <p:sp>
+        <p:nvSpPr>
+          <p:cNvPr id="5" name="TextBox 4">
+            <a:extLst>
+              <a:ext uri="{FF2B5EF4-FFF2-40B4-BE49-F238E27FC236}">
+                <a16:creationId xmlns:a16="http://schemas.microsoft.com/office/drawing/2014/main" id="{604C8EBA-FBC6-6D28-52C5-FEDEF18DE2C3}"/>
+              </a:ext>
+            </a:extLst>
+          </p:cNvPr>
+          <p:cNvSpPr txBox="1"/>
+          <p:nvPr/>
+        </p:nvSpPr>
+        <p:spPr>
+          <a:xfrm>
+            <a:off x="7307580" y="1934644"/>
+            <a:ext cx="2392165" cy="830997"/>
+          </a:xfrm>
+          <a:prstGeom prst="rect">
+            <a:avLst/>
+          </a:prstGeom>
+          <a:noFill/>
+        </p:spPr>
+        <p:txBody>
+          <a:bodyPr wrap="square" rtlCol="0">
+            <a:spAutoFit/>
+          </a:bodyPr>
+          <a:lstStyle/>
+          <a:p>
+            <a:pPr algn="r"/>
+            <a:r>
+              <a:rPr lang="en-US" sz="1600" dirty="0"/>
+              <a:t>Improving’s website</a:t>
+            </a:r>
+            <a:br>
+              <a:rPr lang="en-US" sz="1600" dirty="0"/>
+            </a:br>
+            <a:br>
+              <a:rPr lang="en-US" sz="1600" dirty="0"/>
+            </a:br>
+            <a:r>
+              <a:rPr lang="en-US" sz="1600" dirty="0"/>
+              <a:t>https://improving.com</a:t>
+            </a:r>
+          </a:p>
+        </p:txBody>
+      </p:sp>
+      <p:pic>
+        <p:nvPicPr>
+          <p:cNvPr id="6" name="Picture 5">
+            <a:extLst>
+              <a:ext uri="{FF2B5EF4-FFF2-40B4-BE49-F238E27FC236}">
+                <a16:creationId xmlns:a16="http://schemas.microsoft.com/office/drawing/2014/main" id="{96C524AB-B4EB-34D6-05BB-C043AE683C1D}"/>
+              </a:ext>
+            </a:extLst>
+          </p:cNvPr>
+          <p:cNvPicPr>
+            <a:picLocks noChangeAspect="1"/>
+          </p:cNvPicPr>
+          <p:nvPr/>
+        </p:nvPicPr>
+        <p:blipFill>
+          <a:blip r:embed="rId3"/>
+          <a:stretch>
+            <a:fillRect/>
+          </a:stretch>
+        </p:blipFill>
+        <p:spPr>
+          <a:xfrm>
+            <a:off x="1140603" y="4434841"/>
+            <a:ext cx="1371600" cy="1371600"/>
+          </a:xfrm>
+          <a:prstGeom prst="rect">
+            <a:avLst/>
+          </a:prstGeom>
+        </p:spPr>
+      </p:pic>
+      <p:sp>
+        <p:nvSpPr>
+          <p:cNvPr id="7" name="TextBox 6">
+            <a:extLst>
+              <a:ext uri="{FF2B5EF4-FFF2-40B4-BE49-F238E27FC236}">
+                <a16:creationId xmlns:a16="http://schemas.microsoft.com/office/drawing/2014/main" id="{07E70089-5C7B-9CC3-4393-E500FE1BEB11}"/>
+              </a:ext>
+            </a:extLst>
+          </p:cNvPr>
+          <p:cNvSpPr txBox="1"/>
+          <p:nvPr/>
+        </p:nvSpPr>
+        <p:spPr>
+          <a:xfrm>
+            <a:off x="2512203" y="4367606"/>
+            <a:ext cx="3104260" cy="1077218"/>
+          </a:xfrm>
+          <a:prstGeom prst="rect">
+            <a:avLst/>
+          </a:prstGeom>
+          <a:noFill/>
+        </p:spPr>
+        <p:txBody>
+          <a:bodyPr wrap="square" rtlCol="0">
+            <a:spAutoFit/>
+          </a:bodyPr>
+          <a:lstStyle/>
+          <a:p>
+            <a:r>
+              <a:rPr lang="en-US" sz="1600" dirty="0"/>
+              <a:t>Improving Careers and Open Positions</a:t>
+            </a:r>
+            <a:br>
+              <a:rPr lang="en-US" sz="1600" dirty="0"/>
+            </a:br>
+            <a:br>
+              <a:rPr lang="en-US" sz="1600" dirty="0"/>
+            </a:br>
+            <a:r>
+              <a:rPr lang="en-US" sz="1600" dirty="0"/>
+              <a:t>https://improving.com/careers</a:t>
+            </a:r>
+          </a:p>
+        </p:txBody>
+      </p:sp>
+      <p:sp>
+        <p:nvSpPr>
+          <p:cNvPr id="9" name="TextBox 8">
+            <a:extLst>
+              <a:ext uri="{FF2B5EF4-FFF2-40B4-BE49-F238E27FC236}">
+                <a16:creationId xmlns:a16="http://schemas.microsoft.com/office/drawing/2014/main" id="{73B332F3-2537-1DAC-D45B-79A2C2A4F147}"/>
+              </a:ext>
+            </a:extLst>
+          </p:cNvPr>
+          <p:cNvSpPr txBox="1"/>
+          <p:nvPr/>
+        </p:nvSpPr>
+        <p:spPr>
+          <a:xfrm>
+            <a:off x="1140603" y="1868365"/>
+            <a:ext cx="5350150" cy="1569660"/>
+          </a:xfrm>
+          <a:prstGeom prst="rect">
+            <a:avLst/>
+          </a:prstGeom>
+          <a:noFill/>
+        </p:spPr>
+        <p:txBody>
+          <a:bodyPr wrap="square">
+            <a:spAutoFit/>
+          </a:bodyPr>
+          <a:lstStyle/>
+          <a:p>
+            <a:r>
+              <a:rPr lang="en-US" sz="1600" dirty="0"/>
+              <a:t>Improving is a </a:t>
+            </a:r>
+            <a:r>
+              <a:rPr lang="en-US" sz="1600" b="1" dirty="0"/>
+              <a:t>modern digital services </a:t>
+            </a:r>
+            <a:r>
+              <a:rPr lang="en-US" sz="1600" dirty="0"/>
+              <a:t>company that offers </a:t>
+            </a:r>
+            <a:r>
+              <a:rPr lang="en-US" sz="1600" dirty="0">
+                <a:hlinkClick r:id="rId4"/>
+              </a:rPr>
+              <a:t>IT consulting</a:t>
+            </a:r>
+            <a:r>
+              <a:rPr lang="en-US" sz="1600" dirty="0"/>
+              <a:t>, </a:t>
+            </a:r>
+            <a:r>
+              <a:rPr lang="en-US" sz="1600" dirty="0">
+                <a:hlinkClick r:id="rId5"/>
+              </a:rPr>
+              <a:t>software development</a:t>
+            </a:r>
+            <a:r>
+              <a:rPr lang="en-US" sz="1600" dirty="0"/>
+              <a:t>, and </a:t>
+            </a:r>
+            <a:r>
+              <a:rPr lang="en-US" sz="1600" dirty="0">
+                <a:hlinkClick r:id="rId6"/>
+              </a:rPr>
+              <a:t>agile training</a:t>
+            </a:r>
+            <a:r>
+              <a:rPr lang="en-US" sz="1600" dirty="0"/>
+              <a:t> across the globe. Our innovative solutions have helped thousands of our clients realize their tactical and strategic business objectives, allowing them to achieve great new heights in a competitive and ever-changing market. </a:t>
+            </a:r>
+          </a:p>
+        </p:txBody>
+      </p:sp>
+      <p:pic>
+        <p:nvPicPr>
+          <p:cNvPr id="10" name="Picture 9">
+            <a:extLst>
+              <a:ext uri="{FF2B5EF4-FFF2-40B4-BE49-F238E27FC236}">
+                <a16:creationId xmlns:a16="http://schemas.microsoft.com/office/drawing/2014/main" id="{182C2245-E029-00F9-22B6-14CC4772C675}"/>
+              </a:ext>
+            </a:extLst>
+          </p:cNvPr>
+          <p:cNvPicPr>
+            <a:picLocks noChangeAspect="1"/>
+          </p:cNvPicPr>
+          <p:nvPr/>
+        </p:nvPicPr>
+        <p:blipFill>
+          <a:blip r:embed="rId7"/>
+          <a:stretch>
+            <a:fillRect/>
+          </a:stretch>
+        </p:blipFill>
+        <p:spPr>
+          <a:xfrm>
+            <a:off x="9869624" y="4367606"/>
+            <a:ext cx="1371600" cy="1371600"/>
+          </a:xfrm>
+          <a:prstGeom prst="rect">
+            <a:avLst/>
+          </a:prstGeom>
+        </p:spPr>
+      </p:pic>
+      <p:sp>
+        <p:nvSpPr>
+          <p:cNvPr id="11" name="TextBox 10">
+            <a:extLst>
+              <a:ext uri="{FF2B5EF4-FFF2-40B4-BE49-F238E27FC236}">
+                <a16:creationId xmlns:a16="http://schemas.microsoft.com/office/drawing/2014/main" id="{90726961-15EC-0582-E687-B2E322379CD5}"/>
+              </a:ext>
+            </a:extLst>
+          </p:cNvPr>
+          <p:cNvSpPr txBox="1"/>
+          <p:nvPr/>
+        </p:nvSpPr>
+        <p:spPr>
+          <a:xfrm>
+            <a:off x="5745631" y="4367606"/>
+            <a:ext cx="4038449" cy="830997"/>
+          </a:xfrm>
+          <a:prstGeom prst="rect">
+            <a:avLst/>
+          </a:prstGeom>
+          <a:noFill/>
+        </p:spPr>
+        <p:txBody>
+          <a:bodyPr wrap="square" rtlCol="0">
+            <a:spAutoFit/>
+          </a:bodyPr>
+          <a:lstStyle/>
+          <a:p>
+            <a:pPr algn="r"/>
+            <a:r>
+              <a:rPr lang="en-US" sz="1600" dirty="0"/>
+              <a:t>Improving Training and Upcoming Classes</a:t>
+            </a:r>
+            <a:br>
+              <a:rPr lang="en-US" sz="1600" dirty="0"/>
+            </a:br>
+            <a:br>
+              <a:rPr lang="en-US" sz="1600" dirty="0"/>
+            </a:br>
+            <a:r>
+              <a:rPr lang="en-US" sz="1600" dirty="0"/>
+              <a:t>https://improving.com/services/training/</a:t>
+            </a:r>
           </a:p>
         </p:txBody>
       </p:sp>
@@ -4626,7 +4989,7 @@
           <a:bodyPr/>
           <a:lstStyle/>
           <a:p>
-            <a:endParaRPr lang="en-US"/>
+            <a:endParaRPr lang="en-US" dirty="0"/>
           </a:p>
         </p:txBody>
       </p:sp>
@@ -5339,4 +5702,24 @@
     </a:ext>
   </a:extLst>
 </a:theme>
+</file>
+
+<file path=ppt/webextensions/taskpanes.xml><?xml version="1.0" encoding="utf-8"?>
+<wetp:taskpanes xmlns:wetp="http://schemas.microsoft.com/office/webextensions/taskpanes/2010/11">
+  <wetp:taskpane dockstate="right" visibility="1" width="350" row="2">
+    <wetp:webextensionref xmlns:r="http://schemas.openxmlformats.org/officeDocument/2006/relationships" r:id="rId1"/>
+  </wetp:taskpane>
+</wetp:taskpanes>
+</file>
+
+<file path=ppt/webextensions/webextension1.xml><?xml version="1.0" encoding="utf-8"?>
+<we:webextension xmlns:we="http://schemas.microsoft.com/office/webextensions/webextension/2010/11" id="{024B0A7C-48A8-41D5-86A9-145171BB3488}">
+  <we:reference id="wa104051163" version="1.2.0.3" store="en-US" storeType="OMEX"/>
+  <we:alternateReferences>
+    <we:reference id="WA104051163" version="1.2.0.3" store="WA104051163" storeType="OMEX"/>
+  </we:alternateReferences>
+  <we:properties/>
+  <we:bindings/>
+  <we:snapshot xmlns:r="http://schemas.openxmlformats.org/officeDocument/2006/relationships"/>
+</we:webextension>
 </file>